--- a/PPT/PPT范式收集.pptx
+++ b/PPT/PPT范式收集.pptx
@@ -7,8 +7,9 @@
   <p:sldIdLst>
     <p:sldId id="256" r:id="rId2"/>
     <p:sldId id="257" r:id="rId3"/>
-    <p:sldId id="259" r:id="rId4"/>
-    <p:sldId id="258" r:id="rId5"/>
+    <p:sldId id="260" r:id="rId4"/>
+    <p:sldId id="259" r:id="rId5"/>
+    <p:sldId id="258" r:id="rId6"/>
   </p:sldIdLst>
   <p:sldSz cx="12192000" cy="6858000"/>
   <p:notesSz cx="6858000" cy="9144000"/>
@@ -107,6 +108,11 @@
       </a:defRPr>
     </a:lvl9pPr>
   </p:defaultTextStyle>
+  <p:extLst>
+    <p:ext uri="{EFAFB233-063F-42B5-8137-9DF3F51BA10A}">
+      <p15:sldGuideLst xmlns:p15="http://schemas.microsoft.com/office/powerpoint/2012/main"/>
+    </p:ext>
+  </p:extLst>
 </p:presentation>
 </file>
 
@@ -241,7 +247,7 @@
           <a:p>
             <a:fld id="{43D96350-D8F6-4D39-BE54-4D084BD2F247}" type="datetimeFigureOut">
               <a:rPr lang="zh-CN" altLang="en-US" smtClean="0"/>
-              <a:t>2021/5/20</a:t>
+              <a:t>2021/5/26</a:t>
             </a:fld>
             <a:endParaRPr lang="zh-CN" altLang="en-US"/>
           </a:p>
@@ -411,7 +417,7 @@
           <a:p>
             <a:fld id="{43D96350-D8F6-4D39-BE54-4D084BD2F247}" type="datetimeFigureOut">
               <a:rPr lang="zh-CN" altLang="en-US" smtClean="0"/>
-              <a:t>2021/5/20</a:t>
+              <a:t>2021/5/26</a:t>
             </a:fld>
             <a:endParaRPr lang="zh-CN" altLang="en-US"/>
           </a:p>
@@ -591,7 +597,7 @@
           <a:p>
             <a:fld id="{43D96350-D8F6-4D39-BE54-4D084BD2F247}" type="datetimeFigureOut">
               <a:rPr lang="zh-CN" altLang="en-US" smtClean="0"/>
-              <a:t>2021/5/20</a:t>
+              <a:t>2021/5/26</a:t>
             </a:fld>
             <a:endParaRPr lang="zh-CN" altLang="en-US"/>
           </a:p>
@@ -761,7 +767,7 @@
           <a:p>
             <a:fld id="{43D96350-D8F6-4D39-BE54-4D084BD2F247}" type="datetimeFigureOut">
               <a:rPr lang="zh-CN" altLang="en-US" smtClean="0"/>
-              <a:t>2021/5/20</a:t>
+              <a:t>2021/5/26</a:t>
             </a:fld>
             <a:endParaRPr lang="zh-CN" altLang="en-US"/>
           </a:p>
@@ -1007,7 +1013,7 @@
           <a:p>
             <a:fld id="{43D96350-D8F6-4D39-BE54-4D084BD2F247}" type="datetimeFigureOut">
               <a:rPr lang="zh-CN" altLang="en-US" smtClean="0"/>
-              <a:t>2021/5/20</a:t>
+              <a:t>2021/5/26</a:t>
             </a:fld>
             <a:endParaRPr lang="zh-CN" altLang="en-US"/>
           </a:p>
@@ -1239,7 +1245,7 @@
           <a:p>
             <a:fld id="{43D96350-D8F6-4D39-BE54-4D084BD2F247}" type="datetimeFigureOut">
               <a:rPr lang="zh-CN" altLang="en-US" smtClean="0"/>
-              <a:t>2021/5/20</a:t>
+              <a:t>2021/5/26</a:t>
             </a:fld>
             <a:endParaRPr lang="zh-CN" altLang="en-US"/>
           </a:p>
@@ -1606,7 +1612,7 @@
           <a:p>
             <a:fld id="{43D96350-D8F6-4D39-BE54-4D084BD2F247}" type="datetimeFigureOut">
               <a:rPr lang="zh-CN" altLang="en-US" smtClean="0"/>
-              <a:t>2021/5/20</a:t>
+              <a:t>2021/5/26</a:t>
             </a:fld>
             <a:endParaRPr lang="zh-CN" altLang="en-US"/>
           </a:p>
@@ -1724,7 +1730,7 @@
           <a:p>
             <a:fld id="{43D96350-D8F6-4D39-BE54-4D084BD2F247}" type="datetimeFigureOut">
               <a:rPr lang="zh-CN" altLang="en-US" smtClean="0"/>
-              <a:t>2021/5/20</a:t>
+              <a:t>2021/5/26</a:t>
             </a:fld>
             <a:endParaRPr lang="zh-CN" altLang="en-US"/>
           </a:p>
@@ -1819,7 +1825,7 @@
           <a:p>
             <a:fld id="{43D96350-D8F6-4D39-BE54-4D084BD2F247}" type="datetimeFigureOut">
               <a:rPr lang="zh-CN" altLang="en-US" smtClean="0"/>
-              <a:t>2021/5/20</a:t>
+              <a:t>2021/5/26</a:t>
             </a:fld>
             <a:endParaRPr lang="zh-CN" altLang="en-US"/>
           </a:p>
@@ -2096,7 +2102,7 @@
           <a:p>
             <a:fld id="{43D96350-D8F6-4D39-BE54-4D084BD2F247}" type="datetimeFigureOut">
               <a:rPr lang="zh-CN" altLang="en-US" smtClean="0"/>
-              <a:t>2021/5/20</a:t>
+              <a:t>2021/5/26</a:t>
             </a:fld>
             <a:endParaRPr lang="zh-CN" altLang="en-US"/>
           </a:p>
@@ -2349,7 +2355,7 @@
           <a:p>
             <a:fld id="{43D96350-D8F6-4D39-BE54-4D084BD2F247}" type="datetimeFigureOut">
               <a:rPr lang="zh-CN" altLang="en-US" smtClean="0"/>
-              <a:t>2021/5/20</a:t>
+              <a:t>2021/5/26</a:t>
             </a:fld>
             <a:endParaRPr lang="zh-CN" altLang="en-US"/>
           </a:p>
@@ -2562,7 +2568,7 @@
           <a:p>
             <a:fld id="{43D96350-D8F6-4D39-BE54-4D084BD2F247}" type="datetimeFigureOut">
               <a:rPr lang="zh-CN" altLang="en-US" smtClean="0"/>
-              <a:t>2021/5/20</a:t>
+              <a:t>2021/5/26</a:t>
             </a:fld>
             <a:endParaRPr lang="zh-CN" altLang="en-US"/>
           </a:p>
@@ -3069,30 +3075,6 @@
           <a:chExt cx="0" cy="0"/>
         </a:xfrm>
       </p:grpSpPr>
-      <p:pic>
-        <p:nvPicPr>
-          <p:cNvPr id="4" name="图片 3"/>
-          <p:cNvPicPr>
-            <a:picLocks noChangeAspect="1"/>
-          </p:cNvPicPr>
-          <p:nvPr/>
-        </p:nvPicPr>
-        <p:blipFill>
-          <a:blip r:embed="rId3"/>
-          <a:stretch>
-            <a:fillRect/>
-          </a:stretch>
-        </p:blipFill>
-        <p:spPr>
-          <a:xfrm>
-            <a:off x="5242284" y="976410"/>
-            <a:ext cx="6515100" cy="3057525"/>
-          </a:xfrm>
-          <a:prstGeom prst="rect">
-            <a:avLst/>
-          </a:prstGeom>
-        </p:spPr>
-      </p:pic>
       <p:sp>
         <p:nvSpPr>
           <p:cNvPr id="5" name="文本框 4"/>
@@ -3115,6 +3097,16 @@
           </a:bodyPr>
           <a:lstStyle/>
           <a:p>
+            <a:r>
+              <a:rPr lang="en-US" altLang="zh-CN" sz="2800" dirty="0" smtClean="0">
+                <a:solidFill>
+                  <a:schemeClr val="accent1"/>
+                </a:solidFill>
+                <a:latin typeface="微软雅黑" panose="020B0503020204020204" pitchFamily="34" charset="-122"/>
+                <a:ea typeface="微软雅黑" panose="020B0503020204020204" pitchFamily="34" charset="-122"/>
+              </a:rPr>
+              <a:t>PPT</a:t>
+            </a:r>
             <a:r>
               <a:rPr lang="zh-CN" altLang="en-US" sz="2800" dirty="0" smtClean="0">
                 <a:solidFill>
@@ -3123,37 +3115,7 @@
                 <a:latin typeface="微软雅黑" panose="020B0503020204020204" pitchFamily="34" charset="-122"/>
                 <a:ea typeface="微软雅黑" panose="020B0503020204020204" pitchFamily="34" charset="-122"/>
               </a:rPr>
-              <a:t>并列的要点转为图形</a:t>
-            </a:r>
-            <a:r>
-              <a:rPr lang="en-US" altLang="zh-CN" sz="2800" dirty="0" smtClean="0">
-                <a:solidFill>
-                  <a:schemeClr val="accent1"/>
-                </a:solidFill>
-                <a:latin typeface="微软雅黑" panose="020B0503020204020204" pitchFamily="34" charset="-122"/>
-                <a:ea typeface="微软雅黑" panose="020B0503020204020204" pitchFamily="34" charset="-122"/>
-              </a:rPr>
-              <a:t>-</a:t>
-            </a:r>
-            <a:r>
-              <a:rPr lang="zh-CN" altLang="en-US" sz="2800" dirty="0" smtClean="0">
-                <a:solidFill>
-                  <a:schemeClr val="accent1"/>
-                </a:solidFill>
-                <a:latin typeface="微软雅黑" panose="020B0503020204020204" pitchFamily="34" charset="-122"/>
-                <a:ea typeface="微软雅黑" panose="020B0503020204020204" pitchFamily="34" charset="-122"/>
-              </a:rPr>
-              <a:t>示例</a:t>
-            </a:r>
-            <a:r>
-              <a:rPr lang="en-US" altLang="zh-CN" sz="2800" dirty="0" smtClean="0">
-                <a:solidFill>
-                  <a:schemeClr val="accent1"/>
-                </a:solidFill>
-                <a:latin typeface="微软雅黑" panose="020B0503020204020204" pitchFamily="34" charset="-122"/>
-                <a:ea typeface="微软雅黑" panose="020B0503020204020204" pitchFamily="34" charset="-122"/>
-              </a:rPr>
-              <a:t>1</a:t>
+              <a:t>范式</a:t>
             </a:r>
             <a:endParaRPr lang="zh-CN" altLang="en-US" sz="2800" dirty="0">
               <a:solidFill>
@@ -3167,120 +3129,16 @@
       </p:sp>
       <p:sp>
         <p:nvSpPr>
-          <p:cNvPr id="6" name="文本框 5"/>
-          <p:cNvSpPr txBox="1"/>
-          <p:nvPr/>
-        </p:nvSpPr>
-        <p:spPr>
-          <a:xfrm>
-            <a:off x="1008668" y="1906666"/>
-            <a:ext cx="1640264" cy="1631216"/>
-          </a:xfrm>
-          <a:prstGeom prst="rect">
-            <a:avLst/>
-          </a:prstGeom>
-          <a:noFill/>
-        </p:spPr>
-        <p:txBody>
-          <a:bodyPr wrap="square" rtlCol="0">
-            <a:spAutoFit/>
-          </a:bodyPr>
-          <a:lstStyle/>
-          <a:p>
-            <a:pPr marL="285750" indent="-285750">
-              <a:buFont typeface="Arial" panose="020B0604020202020204" pitchFamily="34" charset="0"/>
-              <a:buChar char="•"/>
-            </a:pPr>
-            <a:r>
-              <a:rPr lang="zh-CN" altLang="en-US" sz="2000" dirty="0" smtClean="0">
-                <a:latin typeface="微软雅黑" panose="020B0503020204020204" pitchFamily="34" charset="-122"/>
-                <a:ea typeface="微软雅黑" panose="020B0503020204020204" pitchFamily="34" charset="-122"/>
-              </a:rPr>
-              <a:t>数据</a:t>
-            </a:r>
-            <a:endParaRPr lang="en-US" altLang="zh-CN" sz="2000" dirty="0" smtClean="0">
-              <a:latin typeface="微软雅黑" panose="020B0503020204020204" pitchFamily="34" charset="-122"/>
-              <a:ea typeface="微软雅黑" panose="020B0503020204020204" pitchFamily="34" charset="-122"/>
-            </a:endParaRPr>
-          </a:p>
-          <a:p>
-            <a:pPr marL="285750" indent="-285750">
-              <a:buFont typeface="Arial" panose="020B0604020202020204" pitchFamily="34" charset="0"/>
-              <a:buChar char="•"/>
-            </a:pPr>
-            <a:r>
-              <a:rPr lang="zh-CN" altLang="en-US" sz="2000" dirty="0" smtClean="0">
-                <a:latin typeface="微软雅黑" panose="020B0503020204020204" pitchFamily="34" charset="-122"/>
-                <a:ea typeface="微软雅黑" panose="020B0503020204020204" pitchFamily="34" charset="-122"/>
-              </a:rPr>
-              <a:t>土地</a:t>
-            </a:r>
-            <a:endParaRPr lang="en-US" altLang="zh-CN" sz="2000" dirty="0" smtClean="0">
-              <a:latin typeface="微软雅黑" panose="020B0503020204020204" pitchFamily="34" charset="-122"/>
-              <a:ea typeface="微软雅黑" panose="020B0503020204020204" pitchFamily="34" charset="-122"/>
-            </a:endParaRPr>
-          </a:p>
-          <a:p>
-            <a:pPr marL="285750" indent="-285750">
-              <a:buFont typeface="Arial" panose="020B0604020202020204" pitchFamily="34" charset="0"/>
-              <a:buChar char="•"/>
-            </a:pPr>
-            <a:r>
-              <a:rPr lang="zh-CN" altLang="en-US" sz="2000" dirty="0" smtClean="0">
-                <a:latin typeface="微软雅黑" panose="020B0503020204020204" pitchFamily="34" charset="-122"/>
-                <a:ea typeface="微软雅黑" panose="020B0503020204020204" pitchFamily="34" charset="-122"/>
-              </a:rPr>
-              <a:t>技术</a:t>
-            </a:r>
-            <a:endParaRPr lang="en-US" altLang="zh-CN" sz="2000" dirty="0" smtClean="0">
-              <a:latin typeface="微软雅黑" panose="020B0503020204020204" pitchFamily="34" charset="-122"/>
-              <a:ea typeface="微软雅黑" panose="020B0503020204020204" pitchFamily="34" charset="-122"/>
-            </a:endParaRPr>
-          </a:p>
-          <a:p>
-            <a:pPr marL="285750" indent="-285750">
-              <a:buFont typeface="Arial" panose="020B0604020202020204" pitchFamily="34" charset="0"/>
-              <a:buChar char="•"/>
-            </a:pPr>
-            <a:r>
-              <a:rPr lang="zh-CN" altLang="en-US" sz="2000" dirty="0" smtClean="0">
-                <a:latin typeface="微软雅黑" panose="020B0503020204020204" pitchFamily="34" charset="-122"/>
-                <a:ea typeface="微软雅黑" panose="020B0503020204020204" pitchFamily="34" charset="-122"/>
-              </a:rPr>
-              <a:t>资本</a:t>
-            </a:r>
-            <a:endParaRPr lang="en-US" altLang="zh-CN" sz="2000" dirty="0" smtClean="0">
-              <a:latin typeface="微软雅黑" panose="020B0503020204020204" pitchFamily="34" charset="-122"/>
-              <a:ea typeface="微软雅黑" panose="020B0503020204020204" pitchFamily="34" charset="-122"/>
-            </a:endParaRPr>
-          </a:p>
-          <a:p>
-            <a:pPr marL="285750" indent="-285750">
-              <a:buFont typeface="Arial" panose="020B0604020202020204" pitchFamily="34" charset="0"/>
-              <a:buChar char="•"/>
-            </a:pPr>
-            <a:r>
-              <a:rPr lang="zh-CN" altLang="en-US" sz="2000" dirty="0">
-                <a:latin typeface="微软雅黑" panose="020B0503020204020204" pitchFamily="34" charset="-122"/>
-                <a:ea typeface="微软雅黑" panose="020B0503020204020204" pitchFamily="34" charset="-122"/>
-              </a:rPr>
-              <a:t>劳动力</a:t>
-            </a:r>
-          </a:p>
-        </p:txBody>
-      </p:sp>
-      <p:sp>
-        <p:nvSpPr>
-          <p:cNvPr id="7" name="右箭头 6"/>
+          <p:cNvPr id="2" name="圆角矩形 1"/>
           <p:cNvSpPr/>
           <p:nvPr/>
         </p:nvSpPr>
         <p:spPr>
           <a:xfrm>
-            <a:off x="3403077" y="2314470"/>
-            <a:ext cx="1244338" cy="815608"/>
-          </a:xfrm>
-          <a:prstGeom prst="rightArrow">
+            <a:off x="1140643" y="1847654"/>
+            <a:ext cx="2187019" cy="716437"/>
+          </a:xfrm>
+          <a:prstGeom prst="roundRect">
             <a:avLst/>
           </a:prstGeom>
         </p:spPr>
@@ -3305,30 +3163,34 @@
           <a:lstStyle/>
           <a:p>
             <a:pPr algn="ctr"/>
-            <a:endParaRPr lang="zh-CN" altLang="en-US"/>
-          </a:p>
-        </p:txBody>
-      </p:sp>
-      <p:sp>
-        <p:nvSpPr>
-          <p:cNvPr id="8" name="圆角矩形 7"/>
+            <a:r>
+              <a:rPr lang="zh-CN" altLang="en-US" dirty="0" smtClean="0">
+                <a:latin typeface="微软雅黑" panose="020B0503020204020204" pitchFamily="34" charset="-122"/>
+                <a:ea typeface="微软雅黑" panose="020B0503020204020204" pitchFamily="34" charset="-122"/>
+              </a:rPr>
+              <a:t>排版与思路</a:t>
+            </a:r>
+            <a:endParaRPr lang="zh-CN" altLang="en-US" dirty="0">
+              <a:latin typeface="微软雅黑" panose="020B0503020204020204" pitchFamily="34" charset="-122"/>
+              <a:ea typeface="微软雅黑" panose="020B0503020204020204" pitchFamily="34" charset="-122"/>
+            </a:endParaRPr>
+          </a:p>
+        </p:txBody>
+      </p:sp>
+      <p:sp>
+        <p:nvSpPr>
+          <p:cNvPr id="11" name="圆角矩形 10"/>
           <p:cNvSpPr/>
           <p:nvPr/>
         </p:nvSpPr>
         <p:spPr>
           <a:xfrm>
-            <a:off x="1404594" y="4411745"/>
-            <a:ext cx="7371760" cy="1847653"/>
+            <a:off x="1140642" y="3209795"/>
+            <a:ext cx="2187019" cy="716437"/>
           </a:xfrm>
           <a:prstGeom prst="roundRect">
             <a:avLst/>
           </a:prstGeom>
-          <a:solidFill>
-            <a:schemeClr val="tx2">
-              <a:lumMod val="40000"/>
-              <a:lumOff val="60000"/>
-            </a:schemeClr>
-          </a:solidFill>
         </p:spPr>
         <p:style>
           <a:lnRef idx="2">
@@ -3351,57 +3213,12 @@
           <a:lstStyle/>
           <a:p>
             <a:pPr algn="ctr"/>
-            <a:endParaRPr lang="zh-CN" altLang="en-US"/>
-          </a:p>
-        </p:txBody>
-      </p:sp>
-      <p:sp>
-        <p:nvSpPr>
-          <p:cNvPr id="9" name="文本框 8"/>
-          <p:cNvSpPr txBox="1"/>
-          <p:nvPr/>
-        </p:nvSpPr>
-        <p:spPr>
-          <a:xfrm>
-            <a:off x="1894788" y="4600817"/>
-            <a:ext cx="6297105" cy="923330"/>
-          </a:xfrm>
-          <a:prstGeom prst="rect">
-            <a:avLst/>
-          </a:prstGeom>
-          <a:noFill/>
-        </p:spPr>
-        <p:txBody>
-          <a:bodyPr wrap="square" rtlCol="0">
-            <a:spAutoFit/>
-          </a:bodyPr>
-          <a:lstStyle/>
-          <a:p>
             <a:r>
               <a:rPr lang="zh-CN" altLang="en-US" dirty="0" smtClean="0">
                 <a:latin typeface="微软雅黑" panose="020B0503020204020204" pitchFamily="34" charset="-122"/>
                 <a:ea typeface="微软雅黑" panose="020B0503020204020204" pitchFamily="34" charset="-122"/>
               </a:rPr>
-              <a:t>棱锥图形：突出重点，同时将其他要素并列</a:t>
-            </a:r>
-            <a:endParaRPr lang="en-US" altLang="zh-CN" dirty="0" smtClean="0">
-              <a:latin typeface="微软雅黑" panose="020B0503020204020204" pitchFamily="34" charset="-122"/>
-              <a:ea typeface="微软雅黑" panose="020B0503020204020204" pitchFamily="34" charset="-122"/>
-            </a:endParaRPr>
-          </a:p>
-          <a:p>
-            <a:endParaRPr lang="en-US" altLang="zh-CN" dirty="0">
-              <a:latin typeface="微软雅黑" panose="020B0503020204020204" pitchFamily="34" charset="-122"/>
-              <a:ea typeface="微软雅黑" panose="020B0503020204020204" pitchFamily="34" charset="-122"/>
-            </a:endParaRPr>
-          </a:p>
-          <a:p>
-            <a:r>
-              <a:rPr lang="zh-CN" altLang="en-US" dirty="0" smtClean="0">
-                <a:latin typeface="微软雅黑" panose="020B0503020204020204" pitchFamily="34" charset="-122"/>
-                <a:ea typeface="微软雅黑" panose="020B0503020204020204" pitchFamily="34" charset="-122"/>
-              </a:rPr>
-              <a:t>对于并列的要点，是否也可以可以其他图形？</a:t>
+              <a:t>元素与风格</a:t>
             </a:r>
             <a:endParaRPr lang="zh-CN" altLang="en-US" dirty="0">
               <a:latin typeface="微软雅黑" panose="020B0503020204020204" pitchFamily="34" charset="-122"/>
@@ -3412,16 +3229,16 @@
       </p:sp>
       <p:sp>
         <p:nvSpPr>
-          <p:cNvPr id="10" name="线形标注 1(带强调线) 9"/>
+          <p:cNvPr id="12" name="圆角矩形 11"/>
           <p:cNvSpPr/>
           <p:nvPr/>
         </p:nvSpPr>
         <p:spPr>
           <a:xfrm>
-            <a:off x="9975718" y="400879"/>
-            <a:ext cx="1781666" cy="1018383"/>
-          </a:xfrm>
-          <a:prstGeom prst="accentCallout1">
+            <a:off x="1140642" y="4784071"/>
+            <a:ext cx="2187019" cy="716437"/>
+          </a:xfrm>
+          <a:prstGeom prst="roundRect">
             <a:avLst/>
           </a:prstGeom>
         </p:spPr>
@@ -3451,12 +3268,703 @@
                 <a:latin typeface="微软雅黑" panose="020B0503020204020204" pitchFamily="34" charset="-122"/>
                 <a:ea typeface="微软雅黑" panose="020B0503020204020204" pitchFamily="34" charset="-122"/>
               </a:rPr>
-              <a:t>案例来自：数澜科技白皮书</a:t>
+              <a:t>工具与平台</a:t>
             </a:r>
             <a:endParaRPr lang="zh-CN" altLang="en-US" dirty="0">
               <a:latin typeface="微软雅黑" panose="020B0503020204020204" pitchFamily="34" charset="-122"/>
               <a:ea typeface="微软雅黑" panose="020B0503020204020204" pitchFamily="34" charset="-122"/>
             </a:endParaRPr>
+          </a:p>
+        </p:txBody>
+      </p:sp>
+      <p:cxnSp>
+        <p:nvCxnSpPr>
+          <p:cNvPr id="13" name="直接连接符 12"/>
+          <p:cNvCxnSpPr/>
+          <p:nvPr/>
+        </p:nvCxnSpPr>
+        <p:spPr>
+          <a:xfrm>
+            <a:off x="4364611" y="938462"/>
+            <a:ext cx="0" cy="4835950"/>
+          </a:xfrm>
+          <a:prstGeom prst="line">
+            <a:avLst/>
+          </a:prstGeom>
+        </p:spPr>
+        <p:style>
+          <a:lnRef idx="1">
+            <a:schemeClr val="accent1"/>
+          </a:lnRef>
+          <a:fillRef idx="0">
+            <a:schemeClr val="accent1"/>
+          </a:fillRef>
+          <a:effectRef idx="0">
+            <a:schemeClr val="accent1"/>
+          </a:effectRef>
+          <a:fontRef idx="minor">
+            <a:schemeClr val="tx1"/>
+          </a:fontRef>
+        </p:style>
+      </p:cxnSp>
+      <p:sp>
+        <p:nvSpPr>
+          <p:cNvPr id="14" name="圆角矩形 13"/>
+          <p:cNvSpPr/>
+          <p:nvPr/>
+        </p:nvSpPr>
+        <p:spPr>
+          <a:xfrm>
+            <a:off x="6770016" y="886120"/>
+            <a:ext cx="2187019" cy="716437"/>
+          </a:xfrm>
+          <a:prstGeom prst="roundRect">
+            <a:avLst/>
+          </a:prstGeom>
+        </p:spPr>
+        <p:style>
+          <a:lnRef idx="2">
+            <a:schemeClr val="accent1">
+              <a:shade val="50000"/>
+            </a:schemeClr>
+          </a:lnRef>
+          <a:fillRef idx="1">
+            <a:schemeClr val="accent1"/>
+          </a:fillRef>
+          <a:effectRef idx="0">
+            <a:schemeClr val="accent1"/>
+          </a:effectRef>
+          <a:fontRef idx="minor">
+            <a:schemeClr val="lt1"/>
+          </a:fontRef>
+        </p:style>
+        <p:txBody>
+          <a:bodyPr rtlCol="0" anchor="ctr"/>
+          <a:lstStyle/>
+          <a:p>
+            <a:pPr algn="ctr"/>
+            <a:r>
+              <a:rPr lang="zh-CN" altLang="en-US" dirty="0" smtClean="0">
+                <a:latin typeface="微软雅黑" panose="020B0503020204020204" pitchFamily="34" charset="-122"/>
+                <a:ea typeface="微软雅黑" panose="020B0503020204020204" pitchFamily="34" charset="-122"/>
+              </a:rPr>
+              <a:t>建立知识体系</a:t>
+            </a:r>
+            <a:endParaRPr lang="zh-CN" altLang="en-US" dirty="0">
+              <a:latin typeface="微软雅黑" panose="020B0503020204020204" pitchFamily="34" charset="-122"/>
+              <a:ea typeface="微软雅黑" panose="020B0503020204020204" pitchFamily="34" charset="-122"/>
+            </a:endParaRPr>
+          </a:p>
+        </p:txBody>
+      </p:sp>
+      <p:sp>
+        <p:nvSpPr>
+          <p:cNvPr id="15" name="文本框 14"/>
+          <p:cNvSpPr txBox="1"/>
+          <p:nvPr/>
+        </p:nvSpPr>
+        <p:spPr>
+          <a:xfrm>
+            <a:off x="6089651" y="1827113"/>
+            <a:ext cx="2521844" cy="369332"/>
+          </a:xfrm>
+          <a:prstGeom prst="rect">
+            <a:avLst/>
+          </a:prstGeom>
+          <a:noFill/>
+        </p:spPr>
+        <p:txBody>
+          <a:bodyPr wrap="none" rtlCol="0">
+            <a:spAutoFit/>
+          </a:bodyPr>
+          <a:lstStyle/>
+          <a:p>
+            <a:r>
+              <a:rPr lang="en-US" altLang="zh-CN" dirty="0" smtClean="0">
+                <a:latin typeface="微软雅黑" panose="020B0503020204020204" pitchFamily="34" charset="-122"/>
+                <a:ea typeface="微软雅黑" panose="020B0503020204020204" pitchFamily="34" charset="-122"/>
+              </a:rPr>
+              <a:t>1. </a:t>
+            </a:r>
+            <a:r>
+              <a:rPr lang="zh-CN" altLang="en-US" dirty="0" smtClean="0">
+                <a:latin typeface="微软雅黑" panose="020B0503020204020204" pitchFamily="34" charset="-122"/>
+                <a:ea typeface="微软雅黑" panose="020B0503020204020204" pitchFamily="34" charset="-122"/>
+              </a:rPr>
+              <a:t>将信息进行基础分类</a:t>
+            </a:r>
+            <a:endParaRPr lang="zh-CN" altLang="en-US" dirty="0">
+              <a:latin typeface="微软雅黑" panose="020B0503020204020204" pitchFamily="34" charset="-122"/>
+              <a:ea typeface="微软雅黑" panose="020B0503020204020204" pitchFamily="34" charset="-122"/>
+            </a:endParaRPr>
+          </a:p>
+        </p:txBody>
+      </p:sp>
+      <p:sp>
+        <p:nvSpPr>
+          <p:cNvPr id="16" name="文本框 15"/>
+          <p:cNvSpPr txBox="1"/>
+          <p:nvPr/>
+        </p:nvSpPr>
+        <p:spPr>
+          <a:xfrm>
+            <a:off x="6089651" y="2534793"/>
+            <a:ext cx="4243469" cy="369332"/>
+          </a:xfrm>
+          <a:prstGeom prst="rect">
+            <a:avLst/>
+          </a:prstGeom>
+          <a:noFill/>
+        </p:spPr>
+        <p:txBody>
+          <a:bodyPr wrap="none" rtlCol="0">
+            <a:spAutoFit/>
+          </a:bodyPr>
+          <a:lstStyle/>
+          <a:p>
+            <a:r>
+              <a:rPr lang="en-US" altLang="zh-CN" dirty="0" smtClean="0">
+                <a:latin typeface="微软雅黑" panose="020B0503020204020204" pitchFamily="34" charset="-122"/>
+                <a:ea typeface="微软雅黑" panose="020B0503020204020204" pitchFamily="34" charset="-122"/>
+              </a:rPr>
+              <a:t>2</a:t>
+            </a:r>
+            <a:r>
+              <a:rPr lang="zh-CN" altLang="en-US" dirty="0" smtClean="0">
+                <a:latin typeface="微软雅黑" panose="020B0503020204020204" pitchFamily="34" charset="-122"/>
+                <a:ea typeface="微软雅黑" panose="020B0503020204020204" pitchFamily="34" charset="-122"/>
+              </a:rPr>
+              <a:t>适时进行实践，将输入与输出有效结合</a:t>
+            </a:r>
+            <a:endParaRPr lang="zh-CN" altLang="en-US" dirty="0">
+              <a:latin typeface="微软雅黑" panose="020B0503020204020204" pitchFamily="34" charset="-122"/>
+              <a:ea typeface="微软雅黑" panose="020B0503020204020204" pitchFamily="34" charset="-122"/>
+            </a:endParaRPr>
+          </a:p>
+        </p:txBody>
+      </p:sp>
+      <p:sp>
+        <p:nvSpPr>
+          <p:cNvPr id="17" name="文本框 16"/>
+          <p:cNvSpPr txBox="1"/>
+          <p:nvPr/>
+        </p:nvSpPr>
+        <p:spPr>
+          <a:xfrm>
+            <a:off x="6112734" y="3157136"/>
+            <a:ext cx="2031325" cy="369332"/>
+          </a:xfrm>
+          <a:prstGeom prst="rect">
+            <a:avLst/>
+          </a:prstGeom>
+          <a:noFill/>
+        </p:spPr>
+        <p:txBody>
+          <a:bodyPr wrap="none" rtlCol="0">
+            <a:spAutoFit/>
+          </a:bodyPr>
+          <a:lstStyle/>
+          <a:p>
+            <a:r>
+              <a:rPr lang="zh-CN" altLang="en-US" dirty="0" smtClean="0">
+                <a:latin typeface="微软雅黑" panose="020B0503020204020204" pitchFamily="34" charset="-122"/>
+                <a:ea typeface="微软雅黑" panose="020B0503020204020204" pitchFamily="34" charset="-122"/>
+              </a:rPr>
+              <a:t>知其然知其所以然</a:t>
+            </a:r>
+            <a:endParaRPr lang="zh-CN" altLang="en-US" dirty="0">
+              <a:latin typeface="微软雅黑" panose="020B0503020204020204" pitchFamily="34" charset="-122"/>
+              <a:ea typeface="微软雅黑" panose="020B0503020204020204" pitchFamily="34" charset="-122"/>
+            </a:endParaRPr>
+          </a:p>
+        </p:txBody>
+      </p:sp>
+      <p:sp>
+        <p:nvSpPr>
+          <p:cNvPr id="18" name="文本框 17"/>
+          <p:cNvSpPr txBox="1"/>
+          <p:nvPr/>
+        </p:nvSpPr>
+        <p:spPr>
+          <a:xfrm>
+            <a:off x="6272356" y="3651695"/>
+            <a:ext cx="1338828" cy="369332"/>
+          </a:xfrm>
+          <a:prstGeom prst="rect">
+            <a:avLst/>
+          </a:prstGeom>
+          <a:noFill/>
+        </p:spPr>
+        <p:txBody>
+          <a:bodyPr wrap="none" rtlCol="0">
+            <a:spAutoFit/>
+          </a:bodyPr>
+          <a:lstStyle/>
+          <a:p>
+            <a:r>
+              <a:rPr lang="zh-CN" altLang="en-US" dirty="0" smtClean="0">
+                <a:latin typeface="微软雅黑" panose="020B0503020204020204" pitchFamily="34" charset="-122"/>
+                <a:ea typeface="微软雅黑" panose="020B0503020204020204" pitchFamily="34" charset="-122"/>
+              </a:rPr>
+              <a:t>熟练度错觉</a:t>
+            </a:r>
+            <a:endParaRPr lang="zh-CN" altLang="en-US" dirty="0">
+              <a:latin typeface="微软雅黑" panose="020B0503020204020204" pitchFamily="34" charset="-122"/>
+              <a:ea typeface="微软雅黑" panose="020B0503020204020204" pitchFamily="34" charset="-122"/>
+            </a:endParaRPr>
+          </a:p>
+        </p:txBody>
+      </p:sp>
+      <p:cxnSp>
+        <p:nvCxnSpPr>
+          <p:cNvPr id="20" name="直接连接符 19"/>
+          <p:cNvCxnSpPr/>
+          <p:nvPr/>
+        </p:nvCxnSpPr>
+        <p:spPr>
+          <a:xfrm>
+            <a:off x="6061512" y="2347275"/>
+            <a:ext cx="5099965" cy="0"/>
+          </a:xfrm>
+          <a:prstGeom prst="line">
+            <a:avLst/>
+          </a:prstGeom>
+        </p:spPr>
+        <p:style>
+          <a:lnRef idx="1">
+            <a:schemeClr val="accent1"/>
+          </a:lnRef>
+          <a:fillRef idx="0">
+            <a:schemeClr val="accent1"/>
+          </a:fillRef>
+          <a:effectRef idx="0">
+            <a:schemeClr val="accent1"/>
+          </a:effectRef>
+          <a:fontRef idx="minor">
+            <a:schemeClr val="tx1"/>
+          </a:fontRef>
+        </p:style>
+      </p:cxnSp>
+      <p:sp>
+        <p:nvSpPr>
+          <p:cNvPr id="21" name="圆角矩形 20"/>
+          <p:cNvSpPr/>
+          <p:nvPr/>
+        </p:nvSpPr>
+        <p:spPr>
+          <a:xfrm>
+            <a:off x="9799130" y="3179511"/>
+            <a:ext cx="1475328" cy="441900"/>
+          </a:xfrm>
+          <a:prstGeom prst="roundRect">
+            <a:avLst/>
+          </a:prstGeom>
+        </p:spPr>
+        <p:style>
+          <a:lnRef idx="2">
+            <a:schemeClr val="accent1">
+              <a:shade val="50000"/>
+            </a:schemeClr>
+          </a:lnRef>
+          <a:fillRef idx="1">
+            <a:schemeClr val="accent1"/>
+          </a:fillRef>
+          <a:effectRef idx="0">
+            <a:schemeClr val="accent1"/>
+          </a:effectRef>
+          <a:fontRef idx="minor">
+            <a:schemeClr val="lt1"/>
+          </a:fontRef>
+        </p:style>
+        <p:txBody>
+          <a:bodyPr rtlCol="0" anchor="ctr"/>
+          <a:lstStyle/>
+          <a:p>
+            <a:pPr algn="ctr"/>
+            <a:r>
+              <a:rPr lang="zh-CN" altLang="en-US" dirty="0">
+                <a:latin typeface="微软雅黑" panose="020B0503020204020204" pitchFamily="34" charset="-122"/>
+                <a:ea typeface="微软雅黑" panose="020B0503020204020204" pitchFamily="34" charset="-122"/>
+              </a:rPr>
+              <a:t>模拟</a:t>
+            </a:r>
+          </a:p>
+        </p:txBody>
+      </p:sp>
+      <p:sp>
+        <p:nvSpPr>
+          <p:cNvPr id="22" name="圆角矩形 21"/>
+          <p:cNvSpPr/>
+          <p:nvPr/>
+        </p:nvSpPr>
+        <p:spPr>
+          <a:xfrm>
+            <a:off x="9799130" y="3806077"/>
+            <a:ext cx="1475328" cy="441900"/>
+          </a:xfrm>
+          <a:prstGeom prst="roundRect">
+            <a:avLst/>
+          </a:prstGeom>
+        </p:spPr>
+        <p:style>
+          <a:lnRef idx="2">
+            <a:schemeClr val="accent1">
+              <a:shade val="50000"/>
+            </a:schemeClr>
+          </a:lnRef>
+          <a:fillRef idx="1">
+            <a:schemeClr val="accent1"/>
+          </a:fillRef>
+          <a:effectRef idx="0">
+            <a:schemeClr val="accent1"/>
+          </a:effectRef>
+          <a:fontRef idx="minor">
+            <a:schemeClr val="lt1"/>
+          </a:fontRef>
+        </p:style>
+        <p:txBody>
+          <a:bodyPr rtlCol="0" anchor="ctr"/>
+          <a:lstStyle/>
+          <a:p>
+            <a:pPr algn="ctr"/>
+            <a:r>
+              <a:rPr lang="zh-CN" altLang="en-US" dirty="0">
+                <a:latin typeface="微软雅黑" panose="020B0503020204020204" pitchFamily="34" charset="-122"/>
+                <a:ea typeface="微软雅黑" panose="020B0503020204020204" pitchFamily="34" charset="-122"/>
+              </a:rPr>
+              <a:t>替换</a:t>
+            </a:r>
+          </a:p>
+        </p:txBody>
+      </p:sp>
+      <p:sp>
+        <p:nvSpPr>
+          <p:cNvPr id="23" name="圆角矩形 22"/>
+          <p:cNvSpPr/>
+          <p:nvPr/>
+        </p:nvSpPr>
+        <p:spPr>
+          <a:xfrm>
+            <a:off x="8089127" y="3484332"/>
+            <a:ext cx="1475328" cy="441900"/>
+          </a:xfrm>
+          <a:prstGeom prst="roundRect">
+            <a:avLst/>
+          </a:prstGeom>
+        </p:spPr>
+        <p:style>
+          <a:lnRef idx="2">
+            <a:schemeClr val="accent1">
+              <a:shade val="50000"/>
+            </a:schemeClr>
+          </a:lnRef>
+          <a:fillRef idx="1">
+            <a:schemeClr val="accent1"/>
+          </a:fillRef>
+          <a:effectRef idx="0">
+            <a:schemeClr val="accent1"/>
+          </a:effectRef>
+          <a:fontRef idx="minor">
+            <a:schemeClr val="lt1"/>
+          </a:fontRef>
+        </p:style>
+        <p:txBody>
+          <a:bodyPr rtlCol="0" anchor="ctr"/>
+          <a:lstStyle/>
+          <a:p>
+            <a:pPr algn="ctr"/>
+            <a:r>
+              <a:rPr lang="zh-CN" altLang="en-US" dirty="0">
+                <a:latin typeface="微软雅黑" panose="020B0503020204020204" pitchFamily="34" charset="-122"/>
+                <a:ea typeface="微软雅黑" panose="020B0503020204020204" pitchFamily="34" charset="-122"/>
+              </a:rPr>
+              <a:t>实践</a:t>
+            </a:r>
+          </a:p>
+        </p:txBody>
+      </p:sp>
+      <p:sp>
+        <p:nvSpPr>
+          <p:cNvPr id="24" name="左大括号 23"/>
+          <p:cNvSpPr/>
+          <p:nvPr/>
+        </p:nvSpPr>
+        <p:spPr>
+          <a:xfrm>
+            <a:off x="9643621" y="3209795"/>
+            <a:ext cx="84841" cy="1038182"/>
+          </a:xfrm>
+          <a:prstGeom prst="leftBrace">
+            <a:avLst/>
+          </a:prstGeom>
+        </p:spPr>
+        <p:style>
+          <a:lnRef idx="1">
+            <a:schemeClr val="accent1"/>
+          </a:lnRef>
+          <a:fillRef idx="0">
+            <a:schemeClr val="accent1"/>
+          </a:fillRef>
+          <a:effectRef idx="0">
+            <a:schemeClr val="accent1"/>
+          </a:effectRef>
+          <a:fontRef idx="minor">
+            <a:schemeClr val="tx1"/>
+          </a:fontRef>
+        </p:style>
+        <p:txBody>
+          <a:bodyPr rtlCol="0" anchor="ctr"/>
+          <a:lstStyle/>
+          <a:p>
+            <a:pPr algn="ctr"/>
+            <a:endParaRPr lang="zh-CN" altLang="en-US"/>
+          </a:p>
+        </p:txBody>
+      </p:sp>
+      <p:sp>
+        <p:nvSpPr>
+          <p:cNvPr id="25" name="圆角矩形 24"/>
+          <p:cNvSpPr/>
+          <p:nvPr/>
+        </p:nvSpPr>
+        <p:spPr>
+          <a:xfrm>
+            <a:off x="5024487" y="2347275"/>
+            <a:ext cx="763571" cy="1900702"/>
+          </a:xfrm>
+          <a:prstGeom prst="roundRect">
+            <a:avLst/>
+          </a:prstGeom>
+        </p:spPr>
+        <p:style>
+          <a:lnRef idx="2">
+            <a:schemeClr val="accent1">
+              <a:shade val="50000"/>
+            </a:schemeClr>
+          </a:lnRef>
+          <a:fillRef idx="1">
+            <a:schemeClr val="accent1"/>
+          </a:fillRef>
+          <a:effectRef idx="0">
+            <a:schemeClr val="accent1"/>
+          </a:effectRef>
+          <a:fontRef idx="minor">
+            <a:schemeClr val="lt1"/>
+          </a:fontRef>
+        </p:style>
+        <p:txBody>
+          <a:bodyPr rtlCol="0" anchor="ctr"/>
+          <a:lstStyle/>
+          <a:p>
+            <a:pPr algn="ctr"/>
+            <a:r>
+              <a:rPr lang="zh-CN" altLang="en-US" dirty="0" smtClean="0">
+                <a:latin typeface="微软雅黑" panose="020B0503020204020204" pitchFamily="34" charset="-122"/>
+                <a:ea typeface="微软雅黑" panose="020B0503020204020204" pitchFamily="34" charset="-122"/>
+              </a:rPr>
+              <a:t>技术困惑</a:t>
+            </a:r>
+            <a:endParaRPr lang="zh-CN" altLang="en-US" dirty="0">
+              <a:latin typeface="微软雅黑" panose="020B0503020204020204" pitchFamily="34" charset="-122"/>
+              <a:ea typeface="微软雅黑" panose="020B0503020204020204" pitchFamily="34" charset="-122"/>
+            </a:endParaRPr>
+          </a:p>
+        </p:txBody>
+      </p:sp>
+      <p:sp>
+        <p:nvSpPr>
+          <p:cNvPr id="26" name="圆角矩形 25"/>
+          <p:cNvSpPr/>
+          <p:nvPr/>
+        </p:nvSpPr>
+        <p:spPr>
+          <a:xfrm>
+            <a:off x="5024487" y="4449915"/>
+            <a:ext cx="763571" cy="1159033"/>
+          </a:xfrm>
+          <a:prstGeom prst="roundRect">
+            <a:avLst/>
+          </a:prstGeom>
+        </p:spPr>
+        <p:style>
+          <a:lnRef idx="2">
+            <a:schemeClr val="accent1">
+              <a:shade val="50000"/>
+            </a:schemeClr>
+          </a:lnRef>
+          <a:fillRef idx="1">
+            <a:schemeClr val="accent1"/>
+          </a:fillRef>
+          <a:effectRef idx="0">
+            <a:schemeClr val="accent1"/>
+          </a:effectRef>
+          <a:fontRef idx="minor">
+            <a:schemeClr val="lt1"/>
+          </a:fontRef>
+        </p:style>
+        <p:txBody>
+          <a:bodyPr rtlCol="0" anchor="ctr"/>
+          <a:lstStyle/>
+          <a:p>
+            <a:pPr algn="ctr"/>
+            <a:r>
+              <a:rPr lang="zh-CN" altLang="en-US" dirty="0">
+                <a:latin typeface="微软雅黑" panose="020B0503020204020204" pitchFamily="34" charset="-122"/>
+                <a:ea typeface="微软雅黑" panose="020B0503020204020204" pitchFamily="34" charset="-122"/>
+              </a:rPr>
+              <a:t>灵感</a:t>
+            </a:r>
+            <a:r>
+              <a:rPr lang="zh-CN" altLang="en-US" dirty="0" smtClean="0">
+                <a:latin typeface="微软雅黑" panose="020B0503020204020204" pitchFamily="34" charset="-122"/>
+                <a:ea typeface="微软雅黑" panose="020B0503020204020204" pitchFamily="34" charset="-122"/>
+              </a:rPr>
+              <a:t>困惑</a:t>
+            </a:r>
+            <a:endParaRPr lang="zh-CN" altLang="en-US" dirty="0">
+              <a:latin typeface="微软雅黑" panose="020B0503020204020204" pitchFamily="34" charset="-122"/>
+              <a:ea typeface="微软雅黑" panose="020B0503020204020204" pitchFamily="34" charset="-122"/>
+            </a:endParaRPr>
+          </a:p>
+        </p:txBody>
+      </p:sp>
+      <p:sp>
+        <p:nvSpPr>
+          <p:cNvPr id="27" name="圆角矩形 26"/>
+          <p:cNvSpPr/>
+          <p:nvPr/>
+        </p:nvSpPr>
+        <p:spPr>
+          <a:xfrm>
+            <a:off x="6344207" y="4784071"/>
+            <a:ext cx="1475328" cy="441900"/>
+          </a:xfrm>
+          <a:prstGeom prst="roundRect">
+            <a:avLst/>
+          </a:prstGeom>
+        </p:spPr>
+        <p:style>
+          <a:lnRef idx="2">
+            <a:schemeClr val="accent1">
+              <a:shade val="50000"/>
+            </a:schemeClr>
+          </a:lnRef>
+          <a:fillRef idx="1">
+            <a:schemeClr val="accent1"/>
+          </a:fillRef>
+          <a:effectRef idx="0">
+            <a:schemeClr val="accent1"/>
+          </a:effectRef>
+          <a:fontRef idx="minor">
+            <a:schemeClr val="lt1"/>
+          </a:fontRef>
+        </p:style>
+        <p:txBody>
+          <a:bodyPr rtlCol="0" anchor="ctr"/>
+          <a:lstStyle/>
+          <a:p>
+            <a:pPr algn="ctr"/>
+            <a:r>
+              <a:rPr lang="zh-CN" altLang="en-US" dirty="0" smtClean="0">
+                <a:latin typeface="微软雅黑" panose="020B0503020204020204" pitchFamily="34" charset="-122"/>
+                <a:ea typeface="微软雅黑" panose="020B0503020204020204" pitchFamily="34" charset="-122"/>
+              </a:rPr>
+              <a:t>定向拆分</a:t>
+            </a:r>
+            <a:endParaRPr lang="zh-CN" altLang="en-US" dirty="0">
+              <a:latin typeface="微软雅黑" panose="020B0503020204020204" pitchFamily="34" charset="-122"/>
+              <a:ea typeface="微软雅黑" panose="020B0503020204020204" pitchFamily="34" charset="-122"/>
+            </a:endParaRPr>
+          </a:p>
+        </p:txBody>
+      </p:sp>
+      <p:sp>
+        <p:nvSpPr>
+          <p:cNvPr id="28" name="圆角矩形 27"/>
+          <p:cNvSpPr/>
+          <p:nvPr/>
+        </p:nvSpPr>
+        <p:spPr>
+          <a:xfrm>
+            <a:off x="8484092" y="4784071"/>
+            <a:ext cx="1475328" cy="441900"/>
+          </a:xfrm>
+          <a:prstGeom prst="roundRect">
+            <a:avLst/>
+          </a:prstGeom>
+        </p:spPr>
+        <p:style>
+          <a:lnRef idx="2">
+            <a:schemeClr val="accent1">
+              <a:shade val="50000"/>
+            </a:schemeClr>
+          </a:lnRef>
+          <a:fillRef idx="1">
+            <a:schemeClr val="accent1"/>
+          </a:fillRef>
+          <a:effectRef idx="0">
+            <a:schemeClr val="accent1"/>
+          </a:effectRef>
+          <a:fontRef idx="minor">
+            <a:schemeClr val="lt1"/>
+          </a:fontRef>
+        </p:style>
+        <p:txBody>
+          <a:bodyPr rtlCol="0" anchor="ctr"/>
+          <a:lstStyle/>
+          <a:p>
+            <a:pPr algn="ctr"/>
+            <a:r>
+              <a:rPr lang="zh-CN" altLang="en-US" dirty="0" smtClean="0">
+                <a:latin typeface="微软雅黑" panose="020B0503020204020204" pitchFamily="34" charset="-122"/>
+                <a:ea typeface="微软雅黑" panose="020B0503020204020204" pitchFamily="34" charset="-122"/>
+              </a:rPr>
+              <a:t>重新组合</a:t>
+            </a:r>
+            <a:endParaRPr lang="zh-CN" altLang="en-US" dirty="0">
+              <a:latin typeface="微软雅黑" panose="020B0503020204020204" pitchFamily="34" charset="-122"/>
+              <a:ea typeface="微软雅黑" panose="020B0503020204020204" pitchFamily="34" charset="-122"/>
+            </a:endParaRPr>
+          </a:p>
+        </p:txBody>
+      </p:sp>
+      <p:sp>
+        <p:nvSpPr>
+          <p:cNvPr id="29" name="十字形 28"/>
+          <p:cNvSpPr/>
+          <p:nvPr/>
+        </p:nvSpPr>
+        <p:spPr>
+          <a:xfrm>
+            <a:off x="8028945" y="4906751"/>
+            <a:ext cx="245736" cy="245360"/>
+          </a:xfrm>
+          <a:prstGeom prst="plus">
+            <a:avLst/>
+          </a:prstGeom>
+        </p:spPr>
+        <p:style>
+          <a:lnRef idx="2">
+            <a:schemeClr val="accent1">
+              <a:shade val="50000"/>
+            </a:schemeClr>
+          </a:lnRef>
+          <a:fillRef idx="1">
+            <a:schemeClr val="accent1"/>
+          </a:fillRef>
+          <a:effectRef idx="0">
+            <a:schemeClr val="accent1"/>
+          </a:effectRef>
+          <a:fontRef idx="minor">
+            <a:schemeClr val="lt1"/>
+          </a:fontRef>
+        </p:style>
+        <p:txBody>
+          <a:bodyPr rtlCol="0" anchor="ctr"/>
+          <a:lstStyle/>
+          <a:p>
+            <a:pPr algn="ctr"/>
+            <a:endParaRPr lang="zh-CN" altLang="en-US"/>
           </a:p>
         </p:txBody>
       </p:sp>
@@ -3499,6 +4007,434 @@
       </p:grpSpPr>
       <p:pic>
         <p:nvPicPr>
+          <p:cNvPr id="4" name="图片 3"/>
+          <p:cNvPicPr>
+            <a:picLocks noChangeAspect="1"/>
+          </p:cNvPicPr>
+          <p:nvPr/>
+        </p:nvPicPr>
+        <p:blipFill>
+          <a:blip r:embed="rId2"/>
+          <a:stretch>
+            <a:fillRect/>
+          </a:stretch>
+        </p:blipFill>
+        <p:spPr>
+          <a:xfrm>
+            <a:off x="5242284" y="976410"/>
+            <a:ext cx="6515100" cy="3057525"/>
+          </a:xfrm>
+          <a:prstGeom prst="rect">
+            <a:avLst/>
+          </a:prstGeom>
+        </p:spPr>
+      </p:pic>
+      <p:sp>
+        <p:nvSpPr>
+          <p:cNvPr id="5" name="文本框 4"/>
+          <p:cNvSpPr txBox="1"/>
+          <p:nvPr/>
+        </p:nvSpPr>
+        <p:spPr>
+          <a:xfrm>
+            <a:off x="367646" y="320511"/>
+            <a:ext cx="5297864" cy="523220"/>
+          </a:xfrm>
+          <a:prstGeom prst="rect">
+            <a:avLst/>
+          </a:prstGeom>
+          <a:noFill/>
+        </p:spPr>
+        <p:txBody>
+          <a:bodyPr wrap="square" rtlCol="0">
+            <a:spAutoFit/>
+          </a:bodyPr>
+          <a:lstStyle/>
+          <a:p>
+            <a:r>
+              <a:rPr lang="zh-CN" altLang="en-US" sz="2800" dirty="0" smtClean="0">
+                <a:solidFill>
+                  <a:schemeClr val="accent1"/>
+                </a:solidFill>
+                <a:latin typeface="微软雅黑" panose="020B0503020204020204" pitchFamily="34" charset="-122"/>
+                <a:ea typeface="微软雅黑" panose="020B0503020204020204" pitchFamily="34" charset="-122"/>
+              </a:rPr>
+              <a:t>并列的要点转为图形</a:t>
+            </a:r>
+            <a:r>
+              <a:rPr lang="en-US" altLang="zh-CN" sz="2800" dirty="0" smtClean="0">
+                <a:solidFill>
+                  <a:schemeClr val="accent1"/>
+                </a:solidFill>
+                <a:latin typeface="微软雅黑" panose="020B0503020204020204" pitchFamily="34" charset="-122"/>
+                <a:ea typeface="微软雅黑" panose="020B0503020204020204" pitchFamily="34" charset="-122"/>
+              </a:rPr>
+              <a:t>-</a:t>
+            </a:r>
+            <a:r>
+              <a:rPr lang="zh-CN" altLang="en-US" sz="2800" dirty="0" smtClean="0">
+                <a:solidFill>
+                  <a:schemeClr val="accent1"/>
+                </a:solidFill>
+                <a:latin typeface="微软雅黑" panose="020B0503020204020204" pitchFamily="34" charset="-122"/>
+                <a:ea typeface="微软雅黑" panose="020B0503020204020204" pitchFamily="34" charset="-122"/>
+              </a:rPr>
+              <a:t>示例</a:t>
+            </a:r>
+            <a:r>
+              <a:rPr lang="en-US" altLang="zh-CN" sz="2800" dirty="0" smtClean="0">
+                <a:solidFill>
+                  <a:schemeClr val="accent1"/>
+                </a:solidFill>
+                <a:latin typeface="微软雅黑" panose="020B0503020204020204" pitchFamily="34" charset="-122"/>
+                <a:ea typeface="微软雅黑" panose="020B0503020204020204" pitchFamily="34" charset="-122"/>
+              </a:rPr>
+              <a:t>1</a:t>
+            </a:r>
+            <a:endParaRPr lang="zh-CN" altLang="en-US" sz="2800" dirty="0">
+              <a:solidFill>
+                <a:schemeClr val="accent1"/>
+              </a:solidFill>
+              <a:latin typeface="微软雅黑" panose="020B0503020204020204" pitchFamily="34" charset="-122"/>
+              <a:ea typeface="微软雅黑" panose="020B0503020204020204" pitchFamily="34" charset="-122"/>
+            </a:endParaRPr>
+          </a:p>
+        </p:txBody>
+      </p:sp>
+      <p:sp>
+        <p:nvSpPr>
+          <p:cNvPr id="6" name="文本框 5"/>
+          <p:cNvSpPr txBox="1"/>
+          <p:nvPr/>
+        </p:nvSpPr>
+        <p:spPr>
+          <a:xfrm>
+            <a:off x="1008668" y="1906666"/>
+            <a:ext cx="1640264" cy="1631216"/>
+          </a:xfrm>
+          <a:prstGeom prst="rect">
+            <a:avLst/>
+          </a:prstGeom>
+          <a:noFill/>
+        </p:spPr>
+        <p:txBody>
+          <a:bodyPr wrap="square" rtlCol="0">
+            <a:spAutoFit/>
+          </a:bodyPr>
+          <a:lstStyle/>
+          <a:p>
+            <a:pPr marL="285750" indent="-285750">
+              <a:buFont typeface="Arial" panose="020B0604020202020204" pitchFamily="34" charset="0"/>
+              <a:buChar char="•"/>
+            </a:pPr>
+            <a:r>
+              <a:rPr lang="zh-CN" altLang="en-US" sz="2000" dirty="0" smtClean="0">
+                <a:latin typeface="微软雅黑" panose="020B0503020204020204" pitchFamily="34" charset="-122"/>
+                <a:ea typeface="微软雅黑" panose="020B0503020204020204" pitchFamily="34" charset="-122"/>
+              </a:rPr>
+              <a:t>数据</a:t>
+            </a:r>
+            <a:endParaRPr lang="en-US" altLang="zh-CN" sz="2000" dirty="0" smtClean="0">
+              <a:latin typeface="微软雅黑" panose="020B0503020204020204" pitchFamily="34" charset="-122"/>
+              <a:ea typeface="微软雅黑" panose="020B0503020204020204" pitchFamily="34" charset="-122"/>
+            </a:endParaRPr>
+          </a:p>
+          <a:p>
+            <a:pPr marL="285750" indent="-285750">
+              <a:buFont typeface="Arial" panose="020B0604020202020204" pitchFamily="34" charset="0"/>
+              <a:buChar char="•"/>
+            </a:pPr>
+            <a:r>
+              <a:rPr lang="zh-CN" altLang="en-US" sz="2000" dirty="0" smtClean="0">
+                <a:latin typeface="微软雅黑" panose="020B0503020204020204" pitchFamily="34" charset="-122"/>
+                <a:ea typeface="微软雅黑" panose="020B0503020204020204" pitchFamily="34" charset="-122"/>
+              </a:rPr>
+              <a:t>土地</a:t>
+            </a:r>
+            <a:endParaRPr lang="en-US" altLang="zh-CN" sz="2000" dirty="0" smtClean="0">
+              <a:latin typeface="微软雅黑" panose="020B0503020204020204" pitchFamily="34" charset="-122"/>
+              <a:ea typeface="微软雅黑" panose="020B0503020204020204" pitchFamily="34" charset="-122"/>
+            </a:endParaRPr>
+          </a:p>
+          <a:p>
+            <a:pPr marL="285750" indent="-285750">
+              <a:buFont typeface="Arial" panose="020B0604020202020204" pitchFamily="34" charset="0"/>
+              <a:buChar char="•"/>
+            </a:pPr>
+            <a:r>
+              <a:rPr lang="zh-CN" altLang="en-US" sz="2000" dirty="0" smtClean="0">
+                <a:latin typeface="微软雅黑" panose="020B0503020204020204" pitchFamily="34" charset="-122"/>
+                <a:ea typeface="微软雅黑" panose="020B0503020204020204" pitchFamily="34" charset="-122"/>
+              </a:rPr>
+              <a:t>技术</a:t>
+            </a:r>
+            <a:endParaRPr lang="en-US" altLang="zh-CN" sz="2000" dirty="0" smtClean="0">
+              <a:latin typeface="微软雅黑" panose="020B0503020204020204" pitchFamily="34" charset="-122"/>
+              <a:ea typeface="微软雅黑" panose="020B0503020204020204" pitchFamily="34" charset="-122"/>
+            </a:endParaRPr>
+          </a:p>
+          <a:p>
+            <a:pPr marL="285750" indent="-285750">
+              <a:buFont typeface="Arial" panose="020B0604020202020204" pitchFamily="34" charset="0"/>
+              <a:buChar char="•"/>
+            </a:pPr>
+            <a:r>
+              <a:rPr lang="zh-CN" altLang="en-US" sz="2000" dirty="0" smtClean="0">
+                <a:latin typeface="微软雅黑" panose="020B0503020204020204" pitchFamily="34" charset="-122"/>
+                <a:ea typeface="微软雅黑" panose="020B0503020204020204" pitchFamily="34" charset="-122"/>
+              </a:rPr>
+              <a:t>资本</a:t>
+            </a:r>
+            <a:endParaRPr lang="en-US" altLang="zh-CN" sz="2000" dirty="0" smtClean="0">
+              <a:latin typeface="微软雅黑" panose="020B0503020204020204" pitchFamily="34" charset="-122"/>
+              <a:ea typeface="微软雅黑" panose="020B0503020204020204" pitchFamily="34" charset="-122"/>
+            </a:endParaRPr>
+          </a:p>
+          <a:p>
+            <a:pPr marL="285750" indent="-285750">
+              <a:buFont typeface="Arial" panose="020B0604020202020204" pitchFamily="34" charset="0"/>
+              <a:buChar char="•"/>
+            </a:pPr>
+            <a:r>
+              <a:rPr lang="zh-CN" altLang="en-US" sz="2000" dirty="0">
+                <a:latin typeface="微软雅黑" panose="020B0503020204020204" pitchFamily="34" charset="-122"/>
+                <a:ea typeface="微软雅黑" panose="020B0503020204020204" pitchFamily="34" charset="-122"/>
+              </a:rPr>
+              <a:t>劳动力</a:t>
+            </a:r>
+          </a:p>
+        </p:txBody>
+      </p:sp>
+      <p:sp>
+        <p:nvSpPr>
+          <p:cNvPr id="7" name="右箭头 6"/>
+          <p:cNvSpPr/>
+          <p:nvPr/>
+        </p:nvSpPr>
+        <p:spPr>
+          <a:xfrm>
+            <a:off x="3403077" y="2314470"/>
+            <a:ext cx="1244338" cy="815608"/>
+          </a:xfrm>
+          <a:prstGeom prst="rightArrow">
+            <a:avLst/>
+          </a:prstGeom>
+        </p:spPr>
+        <p:style>
+          <a:lnRef idx="2">
+            <a:schemeClr val="accent1">
+              <a:shade val="50000"/>
+            </a:schemeClr>
+          </a:lnRef>
+          <a:fillRef idx="1">
+            <a:schemeClr val="accent1"/>
+          </a:fillRef>
+          <a:effectRef idx="0">
+            <a:schemeClr val="accent1"/>
+          </a:effectRef>
+          <a:fontRef idx="minor">
+            <a:schemeClr val="lt1"/>
+          </a:fontRef>
+        </p:style>
+        <p:txBody>
+          <a:bodyPr rtlCol="0" anchor="ctr"/>
+          <a:lstStyle/>
+          <a:p>
+            <a:pPr algn="ctr"/>
+            <a:endParaRPr lang="zh-CN" altLang="en-US"/>
+          </a:p>
+        </p:txBody>
+      </p:sp>
+      <p:sp>
+        <p:nvSpPr>
+          <p:cNvPr id="8" name="圆角矩形 7"/>
+          <p:cNvSpPr/>
+          <p:nvPr/>
+        </p:nvSpPr>
+        <p:spPr>
+          <a:xfrm>
+            <a:off x="1404594" y="4411745"/>
+            <a:ext cx="7371760" cy="1847653"/>
+          </a:xfrm>
+          <a:prstGeom prst="roundRect">
+            <a:avLst/>
+          </a:prstGeom>
+          <a:solidFill>
+            <a:schemeClr val="tx2">
+              <a:lumMod val="40000"/>
+              <a:lumOff val="60000"/>
+            </a:schemeClr>
+          </a:solidFill>
+        </p:spPr>
+        <p:style>
+          <a:lnRef idx="2">
+            <a:schemeClr val="accent1">
+              <a:shade val="50000"/>
+            </a:schemeClr>
+          </a:lnRef>
+          <a:fillRef idx="1">
+            <a:schemeClr val="accent1"/>
+          </a:fillRef>
+          <a:effectRef idx="0">
+            <a:schemeClr val="accent1"/>
+          </a:effectRef>
+          <a:fontRef idx="minor">
+            <a:schemeClr val="lt1"/>
+          </a:fontRef>
+        </p:style>
+        <p:txBody>
+          <a:bodyPr rtlCol="0" anchor="ctr"/>
+          <a:lstStyle/>
+          <a:p>
+            <a:pPr algn="ctr"/>
+            <a:endParaRPr lang="zh-CN" altLang="en-US"/>
+          </a:p>
+        </p:txBody>
+      </p:sp>
+      <p:sp>
+        <p:nvSpPr>
+          <p:cNvPr id="9" name="文本框 8"/>
+          <p:cNvSpPr txBox="1"/>
+          <p:nvPr/>
+        </p:nvSpPr>
+        <p:spPr>
+          <a:xfrm>
+            <a:off x="1894788" y="4600817"/>
+            <a:ext cx="6297105" cy="923330"/>
+          </a:xfrm>
+          <a:prstGeom prst="rect">
+            <a:avLst/>
+          </a:prstGeom>
+          <a:noFill/>
+        </p:spPr>
+        <p:txBody>
+          <a:bodyPr wrap="square" rtlCol="0">
+            <a:spAutoFit/>
+          </a:bodyPr>
+          <a:lstStyle/>
+          <a:p>
+            <a:r>
+              <a:rPr lang="zh-CN" altLang="en-US" dirty="0" smtClean="0">
+                <a:latin typeface="微软雅黑" panose="020B0503020204020204" pitchFamily="34" charset="-122"/>
+                <a:ea typeface="微软雅黑" panose="020B0503020204020204" pitchFamily="34" charset="-122"/>
+              </a:rPr>
+              <a:t>棱锥图形：突出重点，同时将其他要素并列</a:t>
+            </a:r>
+            <a:endParaRPr lang="en-US" altLang="zh-CN" dirty="0" smtClean="0">
+              <a:latin typeface="微软雅黑" panose="020B0503020204020204" pitchFamily="34" charset="-122"/>
+              <a:ea typeface="微软雅黑" panose="020B0503020204020204" pitchFamily="34" charset="-122"/>
+            </a:endParaRPr>
+          </a:p>
+          <a:p>
+            <a:endParaRPr lang="en-US" altLang="zh-CN" dirty="0">
+              <a:latin typeface="微软雅黑" panose="020B0503020204020204" pitchFamily="34" charset="-122"/>
+              <a:ea typeface="微软雅黑" panose="020B0503020204020204" pitchFamily="34" charset="-122"/>
+            </a:endParaRPr>
+          </a:p>
+          <a:p>
+            <a:r>
+              <a:rPr lang="zh-CN" altLang="en-US" dirty="0" smtClean="0">
+                <a:latin typeface="微软雅黑" panose="020B0503020204020204" pitchFamily="34" charset="-122"/>
+                <a:ea typeface="微软雅黑" panose="020B0503020204020204" pitchFamily="34" charset="-122"/>
+              </a:rPr>
+              <a:t>对于并列的要点，是否也可以可以其他图形？</a:t>
+            </a:r>
+            <a:endParaRPr lang="zh-CN" altLang="en-US" dirty="0">
+              <a:latin typeface="微软雅黑" panose="020B0503020204020204" pitchFamily="34" charset="-122"/>
+              <a:ea typeface="微软雅黑" panose="020B0503020204020204" pitchFamily="34" charset="-122"/>
+            </a:endParaRPr>
+          </a:p>
+        </p:txBody>
+      </p:sp>
+      <p:sp>
+        <p:nvSpPr>
+          <p:cNvPr id="10" name="线形标注 1(带强调线) 9"/>
+          <p:cNvSpPr/>
+          <p:nvPr/>
+        </p:nvSpPr>
+        <p:spPr>
+          <a:xfrm>
+            <a:off x="9975718" y="400879"/>
+            <a:ext cx="1781666" cy="1018383"/>
+          </a:xfrm>
+          <a:prstGeom prst="accentCallout1">
+            <a:avLst/>
+          </a:prstGeom>
+        </p:spPr>
+        <p:style>
+          <a:lnRef idx="2">
+            <a:schemeClr val="accent1">
+              <a:shade val="50000"/>
+            </a:schemeClr>
+          </a:lnRef>
+          <a:fillRef idx="1">
+            <a:schemeClr val="accent1"/>
+          </a:fillRef>
+          <a:effectRef idx="0">
+            <a:schemeClr val="accent1"/>
+          </a:effectRef>
+          <a:fontRef idx="minor">
+            <a:schemeClr val="lt1"/>
+          </a:fontRef>
+        </p:style>
+        <p:txBody>
+          <a:bodyPr rtlCol="0" anchor="ctr"/>
+          <a:lstStyle/>
+          <a:p>
+            <a:pPr algn="ctr"/>
+            <a:r>
+              <a:rPr lang="zh-CN" altLang="en-US" dirty="0" smtClean="0">
+                <a:latin typeface="微软雅黑" panose="020B0503020204020204" pitchFamily="34" charset="-122"/>
+                <a:ea typeface="微软雅黑" panose="020B0503020204020204" pitchFamily="34" charset="-122"/>
+              </a:rPr>
+              <a:t>案例来自：数澜科技白皮书</a:t>
+            </a:r>
+            <a:endParaRPr lang="zh-CN" altLang="en-US" dirty="0">
+              <a:latin typeface="微软雅黑" panose="020B0503020204020204" pitchFamily="34" charset="-122"/>
+              <a:ea typeface="微软雅黑" panose="020B0503020204020204" pitchFamily="34" charset="-122"/>
+            </a:endParaRPr>
+          </a:p>
+        </p:txBody>
+      </p:sp>
+    </p:spTree>
+    <p:extLst>
+      <p:ext uri="{BB962C8B-B14F-4D97-AF65-F5344CB8AC3E}">
+        <p14:creationId xmlns:p14="http://schemas.microsoft.com/office/powerpoint/2010/main" val="1599339993"/>
+      </p:ext>
+    </p:extLst>
+  </p:cSld>
+  <p:clrMapOvr>
+    <a:masterClrMapping/>
+  </p:clrMapOvr>
+  <p:timing>
+    <p:tnLst>
+      <p:par>
+        <p:cTn id="1" dur="indefinite" restart="never" nodeType="tmRoot"/>
+      </p:par>
+    </p:tnLst>
+  </p:timing>
+</p:sld>
+</file>
+
+<file path=ppt/slides/slide4.xml><?xml version="1.0" encoding="utf-8"?>
+<p:sld xmlns:a="http://schemas.openxmlformats.org/drawingml/2006/main" xmlns:r="http://schemas.openxmlformats.org/officeDocument/2006/relationships" xmlns:p="http://schemas.openxmlformats.org/presentationml/2006/main">
+  <p:cSld>
+    <p:spTree>
+      <p:nvGrpSpPr>
+        <p:cNvPr id="1" name=""/>
+        <p:cNvGrpSpPr/>
+        <p:nvPr/>
+      </p:nvGrpSpPr>
+      <p:grpSpPr>
+        <a:xfrm>
+          <a:off x="0" y="0"/>
+          <a:ext cx="0" cy="0"/>
+          <a:chOff x="0" y="0"/>
+          <a:chExt cx="0" cy="0"/>
+        </a:xfrm>
+      </p:grpSpPr>
+      <p:pic>
+        <p:nvPicPr>
           <p:cNvPr id="11" name="图片 10"/>
           <p:cNvPicPr>
             <a:picLocks noChangeAspect="1"/>
@@ -3745,7 +4681,7 @@
 </p:sld>
 </file>
 
-<file path=ppt/slides/slide4.xml><?xml version="1.0" encoding="utf-8"?>
+<file path=ppt/slides/slide5.xml><?xml version="1.0" encoding="utf-8"?>
 <p:sld xmlns:a="http://schemas.openxmlformats.org/drawingml/2006/main" xmlns:r="http://schemas.openxmlformats.org/officeDocument/2006/relationships" xmlns:p="http://schemas.openxmlformats.org/presentationml/2006/main">
   <p:cSld>
     <p:spTree>

--- a/PPT/PPT范式收集.pptx
+++ b/PPT/PPT范式收集.pptx
@@ -7,9 +7,10 @@
   <p:sldIdLst>
     <p:sldId id="256" r:id="rId2"/>
     <p:sldId id="257" r:id="rId3"/>
-    <p:sldId id="260" r:id="rId4"/>
-    <p:sldId id="259" r:id="rId5"/>
-    <p:sldId id="258" r:id="rId6"/>
+    <p:sldId id="261" r:id="rId4"/>
+    <p:sldId id="260" r:id="rId5"/>
+    <p:sldId id="259" r:id="rId6"/>
+    <p:sldId id="258" r:id="rId7"/>
   </p:sldIdLst>
   <p:sldSz cx="12192000" cy="6858000"/>
   <p:notesSz cx="6858000" cy="9144000"/>
@@ -691,10 +692,10 @@
           <a:lstStyle/>
           <a:p>
             <a:r>
-              <a:rPr lang="zh-CN" altLang="en-US" smtClean="0"/>
+              <a:rPr lang="zh-CN" altLang="en-US" dirty="0" smtClean="0"/>
               <a:t>单击此处编辑母版标题样式</a:t>
             </a:r>
-            <a:endParaRPr lang="zh-CN" altLang="en-US"/>
+            <a:endParaRPr lang="zh-CN" altLang="en-US" dirty="0"/>
           </a:p>
         </p:txBody>
       </p:sp>
@@ -811,6 +812,52 @@
               <a:rPr lang="zh-CN" altLang="en-US" smtClean="0"/>
               <a:t>‹#›</a:t>
             </a:fld>
+            <a:endParaRPr lang="zh-CN" altLang="en-US"/>
+          </a:p>
+        </p:txBody>
+      </p:sp>
+      <p:sp>
+        <p:nvSpPr>
+          <p:cNvPr id="9" name="矩形 8"/>
+          <p:cNvSpPr/>
+          <p:nvPr userDrawn="1"/>
+        </p:nvSpPr>
+        <p:spPr>
+          <a:xfrm>
+            <a:off x="-1905" y="279400"/>
+            <a:ext cx="159385" cy="523240"/>
+          </a:xfrm>
+          <a:prstGeom prst="rect">
+            <a:avLst/>
+          </a:prstGeom>
+          <a:solidFill>
+            <a:schemeClr val="accent4"/>
+          </a:solidFill>
+          <a:ln>
+            <a:noFill/>
+          </a:ln>
+        </p:spPr>
+        <p:style>
+          <a:lnRef idx="2">
+            <a:schemeClr val="accent1">
+              <a:shade val="50000"/>
+            </a:schemeClr>
+          </a:lnRef>
+          <a:fillRef idx="1">
+            <a:schemeClr val="accent1"/>
+          </a:fillRef>
+          <a:effectRef idx="0">
+            <a:schemeClr val="accent1"/>
+          </a:effectRef>
+          <a:fontRef idx="minor">
+            <a:schemeClr val="lt1"/>
+          </a:fontRef>
+        </p:style>
+        <p:txBody>
+          <a:bodyPr rtlCol="0" anchor="ctr"/>
+          <a:lstStyle/>
+          <a:p>
+            <a:pPr algn="ctr"/>
             <a:endParaRPr lang="zh-CN" altLang="en-US"/>
           </a:p>
         </p:txBody>
@@ -3083,8 +3130,8 @@
         </p:nvSpPr>
         <p:spPr>
           <a:xfrm>
-            <a:off x="367646" y="320511"/>
-            <a:ext cx="5297864" cy="523220"/>
+            <a:off x="201083" y="226507"/>
+            <a:ext cx="5297864" cy="584775"/>
           </a:xfrm>
           <a:prstGeom prst="rect">
             <a:avLst/>
@@ -3108,7 +3155,7 @@
               <a:t>PPT</a:t>
             </a:r>
             <a:r>
-              <a:rPr lang="zh-CN" altLang="en-US" sz="2800" dirty="0" smtClean="0">
+              <a:rPr lang="zh-CN" altLang="en-US" sz="3200" dirty="0" smtClean="0">
                 <a:solidFill>
                   <a:schemeClr val="accent1"/>
                 </a:solidFill>
@@ -3117,7 +3164,7 @@
               </a:rPr>
               <a:t>范式</a:t>
             </a:r>
-            <a:endParaRPr lang="zh-CN" altLang="en-US" sz="2800" dirty="0">
+            <a:endParaRPr lang="zh-CN" altLang="en-US" sz="3200" dirty="0">
               <a:solidFill>
                 <a:schemeClr val="accent1"/>
               </a:solidFill>
@@ -3285,7 +3332,7 @@
         </p:nvCxnSpPr>
         <p:spPr>
           <a:xfrm>
-            <a:off x="4364611" y="938462"/>
+            <a:off x="4364611" y="349318"/>
             <a:ext cx="0" cy="4835950"/>
           </a:xfrm>
           <a:prstGeom prst="line">
@@ -3315,7 +3362,7 @@
         </p:nvSpPr>
         <p:spPr>
           <a:xfrm>
-            <a:off x="6770016" y="886120"/>
+            <a:off x="6770016" y="296976"/>
             <a:ext cx="2187019" cy="716437"/>
           </a:xfrm>
           <a:prstGeom prst="roundRect">
@@ -3365,7 +3412,7 @@
         </p:nvSpPr>
         <p:spPr>
           <a:xfrm>
-            <a:off x="6089651" y="1827113"/>
+            <a:off x="6089651" y="1237969"/>
             <a:ext cx="2521844" cy="369332"/>
           </a:xfrm>
           <a:prstGeom prst="rect">
@@ -3408,7 +3455,7 @@
         </p:nvSpPr>
         <p:spPr>
           <a:xfrm>
-            <a:off x="6089651" y="2534793"/>
+            <a:off x="6089651" y="1945649"/>
             <a:ext cx="4243469" cy="369332"/>
           </a:xfrm>
           <a:prstGeom prst="rect">
@@ -3451,7 +3498,7 @@
         </p:nvSpPr>
         <p:spPr>
           <a:xfrm>
-            <a:off x="6112734" y="3157136"/>
+            <a:off x="6112734" y="2567992"/>
             <a:ext cx="2031325" cy="369332"/>
           </a:xfrm>
           <a:prstGeom prst="rect">
@@ -3487,7 +3534,7 @@
         </p:nvSpPr>
         <p:spPr>
           <a:xfrm>
-            <a:off x="6272356" y="3651695"/>
+            <a:off x="6272356" y="3062551"/>
             <a:ext cx="1338828" cy="369332"/>
           </a:xfrm>
           <a:prstGeom prst="rect">
@@ -3523,7 +3570,7 @@
         </p:nvCxnSpPr>
         <p:spPr>
           <a:xfrm>
-            <a:off x="6061512" y="2347275"/>
+            <a:off x="6061512" y="1758131"/>
             <a:ext cx="5099965" cy="0"/>
           </a:xfrm>
           <a:prstGeom prst="line">
@@ -3553,7 +3600,7 @@
         </p:nvSpPr>
         <p:spPr>
           <a:xfrm>
-            <a:off x="9799130" y="3179511"/>
+            <a:off x="9799130" y="2590367"/>
             <a:ext cx="1475328" cy="441900"/>
           </a:xfrm>
           <a:prstGeom prst="roundRect">
@@ -3599,7 +3646,7 @@
         </p:nvSpPr>
         <p:spPr>
           <a:xfrm>
-            <a:off x="9799130" y="3806077"/>
+            <a:off x="9799130" y="3216933"/>
             <a:ext cx="1475328" cy="441900"/>
           </a:xfrm>
           <a:prstGeom prst="roundRect">
@@ -3645,7 +3692,7 @@
         </p:nvSpPr>
         <p:spPr>
           <a:xfrm>
-            <a:off x="8089127" y="3484332"/>
+            <a:off x="8089127" y="2895188"/>
             <a:ext cx="1475328" cy="441900"/>
           </a:xfrm>
           <a:prstGeom prst="roundRect">
@@ -3691,7 +3738,7 @@
         </p:nvSpPr>
         <p:spPr>
           <a:xfrm>
-            <a:off x="9643621" y="3209795"/>
+            <a:off x="9643621" y="2620651"/>
             <a:ext cx="84841" cy="1038182"/>
           </a:xfrm>
           <a:prstGeom prst="leftBrace">
@@ -3729,7 +3776,7 @@
         </p:nvSpPr>
         <p:spPr>
           <a:xfrm>
-            <a:off x="5024487" y="2347275"/>
+            <a:off x="5024487" y="1758131"/>
             <a:ext cx="763571" cy="1900702"/>
           </a:xfrm>
           <a:prstGeom prst="roundRect">
@@ -3779,7 +3826,7 @@
         </p:nvSpPr>
         <p:spPr>
           <a:xfrm>
-            <a:off x="5024487" y="4449915"/>
+            <a:off x="5024487" y="3860771"/>
             <a:ext cx="763571" cy="1159033"/>
           </a:xfrm>
           <a:prstGeom prst="roundRect">
@@ -3836,7 +3883,7 @@
         </p:nvSpPr>
         <p:spPr>
           <a:xfrm>
-            <a:off x="6344207" y="4784071"/>
+            <a:off x="6344207" y="4194927"/>
             <a:ext cx="1475328" cy="441900"/>
           </a:xfrm>
           <a:prstGeom prst="roundRect">
@@ -3886,7 +3933,7 @@
         </p:nvSpPr>
         <p:spPr>
           <a:xfrm>
-            <a:off x="8484092" y="4784071"/>
+            <a:off x="8484092" y="4194927"/>
             <a:ext cx="1475328" cy="441900"/>
           </a:xfrm>
           <a:prstGeom prst="roundRect">
@@ -3936,7 +3983,7 @@
         </p:nvSpPr>
         <p:spPr>
           <a:xfrm>
-            <a:off x="8028945" y="4906751"/>
+            <a:off x="8028945" y="4317607"/>
             <a:ext cx="245736" cy="245360"/>
           </a:xfrm>
           <a:prstGeom prst="plus">
@@ -3965,6 +4012,407 @@
           <a:p>
             <a:pPr algn="ctr"/>
             <a:endParaRPr lang="zh-CN" altLang="en-US"/>
+          </a:p>
+        </p:txBody>
+      </p:sp>
+      <p:sp>
+        <p:nvSpPr>
+          <p:cNvPr id="30" name="文本框 29"/>
+          <p:cNvSpPr txBox="1"/>
+          <p:nvPr/>
+        </p:nvSpPr>
+        <p:spPr>
+          <a:xfrm>
+            <a:off x="6181624" y="4689486"/>
+            <a:ext cx="1800493" cy="369332"/>
+          </a:xfrm>
+          <a:prstGeom prst="rect">
+            <a:avLst/>
+          </a:prstGeom>
+          <a:noFill/>
+        </p:spPr>
+        <p:txBody>
+          <a:bodyPr wrap="none" rtlCol="0">
+            <a:spAutoFit/>
+          </a:bodyPr>
+          <a:lstStyle/>
+          <a:p>
+            <a:r>
+              <a:rPr lang="zh-CN" altLang="en-US" dirty="0" smtClean="0">
+                <a:latin typeface="微软雅黑" panose="020B0503020204020204" pitchFamily="34" charset="-122"/>
+                <a:ea typeface="微软雅黑" panose="020B0503020204020204" pitchFamily="34" charset="-122"/>
+              </a:rPr>
+              <a:t>确保创意可行性</a:t>
+            </a:r>
+            <a:endParaRPr lang="zh-CN" altLang="en-US" dirty="0">
+              <a:latin typeface="微软雅黑" panose="020B0503020204020204" pitchFamily="34" charset="-122"/>
+              <a:ea typeface="微软雅黑" panose="020B0503020204020204" pitchFamily="34" charset="-122"/>
+            </a:endParaRPr>
+          </a:p>
+        </p:txBody>
+      </p:sp>
+      <p:sp>
+        <p:nvSpPr>
+          <p:cNvPr id="31" name="圆角矩形 30"/>
+          <p:cNvSpPr/>
+          <p:nvPr/>
+        </p:nvSpPr>
+        <p:spPr>
+          <a:xfrm>
+            <a:off x="5024487" y="5218230"/>
+            <a:ext cx="763571" cy="1159033"/>
+          </a:xfrm>
+          <a:prstGeom prst="roundRect">
+            <a:avLst/>
+          </a:prstGeom>
+        </p:spPr>
+        <p:style>
+          <a:lnRef idx="2">
+            <a:schemeClr val="accent1">
+              <a:shade val="50000"/>
+            </a:schemeClr>
+          </a:lnRef>
+          <a:fillRef idx="1">
+            <a:schemeClr val="accent1"/>
+          </a:fillRef>
+          <a:effectRef idx="0">
+            <a:schemeClr val="accent1"/>
+          </a:effectRef>
+          <a:fontRef idx="minor">
+            <a:schemeClr val="lt1"/>
+          </a:fontRef>
+        </p:style>
+        <p:txBody>
+          <a:bodyPr rtlCol="0" anchor="ctr"/>
+          <a:lstStyle/>
+          <a:p>
+            <a:pPr algn="ctr"/>
+            <a:r>
+              <a:rPr lang="zh-CN" altLang="en-US" dirty="0">
+                <a:latin typeface="微软雅黑" panose="020B0503020204020204" pitchFamily="34" charset="-122"/>
+                <a:ea typeface="微软雅黑" panose="020B0503020204020204" pitchFamily="34" charset="-122"/>
+              </a:rPr>
+              <a:t>素材</a:t>
+            </a:r>
+            <a:r>
+              <a:rPr lang="zh-CN" altLang="en-US" dirty="0" smtClean="0">
+                <a:latin typeface="微软雅黑" panose="020B0503020204020204" pitchFamily="34" charset="-122"/>
+                <a:ea typeface="微软雅黑" panose="020B0503020204020204" pitchFamily="34" charset="-122"/>
+              </a:rPr>
+              <a:t>困惑</a:t>
+            </a:r>
+            <a:endParaRPr lang="zh-CN" altLang="en-US" dirty="0">
+              <a:latin typeface="微软雅黑" panose="020B0503020204020204" pitchFamily="34" charset="-122"/>
+              <a:ea typeface="微软雅黑" panose="020B0503020204020204" pitchFamily="34" charset="-122"/>
+            </a:endParaRPr>
+          </a:p>
+        </p:txBody>
+      </p:sp>
+      <p:sp>
+        <p:nvSpPr>
+          <p:cNvPr id="32" name="圆角矩形 31"/>
+          <p:cNvSpPr/>
+          <p:nvPr/>
+        </p:nvSpPr>
+        <p:spPr>
+          <a:xfrm>
+            <a:off x="6570878" y="5106213"/>
+            <a:ext cx="1475328" cy="441900"/>
+          </a:xfrm>
+          <a:prstGeom prst="roundRect">
+            <a:avLst/>
+          </a:prstGeom>
+        </p:spPr>
+        <p:style>
+          <a:lnRef idx="2">
+            <a:schemeClr val="accent1">
+              <a:shade val="50000"/>
+            </a:schemeClr>
+          </a:lnRef>
+          <a:fillRef idx="1">
+            <a:schemeClr val="accent1"/>
+          </a:fillRef>
+          <a:effectRef idx="0">
+            <a:schemeClr val="accent1"/>
+          </a:effectRef>
+          <a:fontRef idx="minor">
+            <a:schemeClr val="lt1"/>
+          </a:fontRef>
+        </p:style>
+        <p:txBody>
+          <a:bodyPr rtlCol="0" anchor="ctr"/>
+          <a:lstStyle/>
+          <a:p>
+            <a:pPr algn="ctr"/>
+            <a:r>
+              <a:rPr lang="zh-CN" altLang="en-US" dirty="0" smtClean="0">
+                <a:latin typeface="微软雅黑" panose="020B0503020204020204" pitchFamily="34" charset="-122"/>
+                <a:ea typeface="微软雅黑" panose="020B0503020204020204" pitchFamily="34" charset="-122"/>
+              </a:rPr>
+              <a:t>一种风格</a:t>
+            </a:r>
+            <a:endParaRPr lang="zh-CN" altLang="en-US" dirty="0">
+              <a:latin typeface="微软雅黑" panose="020B0503020204020204" pitchFamily="34" charset="-122"/>
+              <a:ea typeface="微软雅黑" panose="020B0503020204020204" pitchFamily="34" charset="-122"/>
+            </a:endParaRPr>
+          </a:p>
+        </p:txBody>
+      </p:sp>
+      <p:sp>
+        <p:nvSpPr>
+          <p:cNvPr id="33" name="圆角矩形 32"/>
+          <p:cNvSpPr/>
+          <p:nvPr/>
+        </p:nvSpPr>
+        <p:spPr>
+          <a:xfrm>
+            <a:off x="6570878" y="5595648"/>
+            <a:ext cx="1475328" cy="441900"/>
+          </a:xfrm>
+          <a:prstGeom prst="roundRect">
+            <a:avLst/>
+          </a:prstGeom>
+        </p:spPr>
+        <p:style>
+          <a:lnRef idx="2">
+            <a:schemeClr val="accent1">
+              <a:shade val="50000"/>
+            </a:schemeClr>
+          </a:lnRef>
+          <a:fillRef idx="1">
+            <a:schemeClr val="accent1"/>
+          </a:fillRef>
+          <a:effectRef idx="0">
+            <a:schemeClr val="accent1"/>
+          </a:effectRef>
+          <a:fontRef idx="minor">
+            <a:schemeClr val="lt1"/>
+          </a:fontRef>
+        </p:style>
+        <p:txBody>
+          <a:bodyPr rtlCol="0" anchor="ctr"/>
+          <a:lstStyle/>
+          <a:p>
+            <a:pPr algn="ctr"/>
+            <a:r>
+              <a:rPr lang="zh-CN" altLang="en-US" dirty="0" smtClean="0">
+                <a:latin typeface="微软雅黑" panose="020B0503020204020204" pitchFamily="34" charset="-122"/>
+                <a:ea typeface="微软雅黑" panose="020B0503020204020204" pitchFamily="34" charset="-122"/>
+              </a:rPr>
+              <a:t>两大元素</a:t>
+            </a:r>
+            <a:endParaRPr lang="zh-CN" altLang="en-US" dirty="0">
+              <a:latin typeface="微软雅黑" panose="020B0503020204020204" pitchFamily="34" charset="-122"/>
+              <a:ea typeface="微软雅黑" panose="020B0503020204020204" pitchFamily="34" charset="-122"/>
+            </a:endParaRPr>
+          </a:p>
+        </p:txBody>
+      </p:sp>
+      <p:sp>
+        <p:nvSpPr>
+          <p:cNvPr id="34" name="圆角矩形 33"/>
+          <p:cNvSpPr/>
+          <p:nvPr/>
+        </p:nvSpPr>
+        <p:spPr>
+          <a:xfrm>
+            <a:off x="6570878" y="6090207"/>
+            <a:ext cx="1475328" cy="441900"/>
+          </a:xfrm>
+          <a:prstGeom prst="roundRect">
+            <a:avLst/>
+          </a:prstGeom>
+        </p:spPr>
+        <p:style>
+          <a:lnRef idx="2">
+            <a:schemeClr val="accent1">
+              <a:shade val="50000"/>
+            </a:schemeClr>
+          </a:lnRef>
+          <a:fillRef idx="1">
+            <a:schemeClr val="accent1"/>
+          </a:fillRef>
+          <a:effectRef idx="0">
+            <a:schemeClr val="accent1"/>
+          </a:effectRef>
+          <a:fontRef idx="minor">
+            <a:schemeClr val="lt1"/>
+          </a:fontRef>
+        </p:style>
+        <p:txBody>
+          <a:bodyPr rtlCol="0" anchor="ctr"/>
+          <a:lstStyle/>
+          <a:p>
+            <a:pPr algn="ctr"/>
+            <a:r>
+              <a:rPr lang="zh-CN" altLang="en-US" dirty="0" smtClean="0">
+                <a:latin typeface="微软雅黑" panose="020B0503020204020204" pitchFamily="34" charset="-122"/>
+                <a:ea typeface="微软雅黑" panose="020B0503020204020204" pitchFamily="34" charset="-122"/>
+              </a:rPr>
+              <a:t>三类改造</a:t>
+            </a:r>
+            <a:endParaRPr lang="zh-CN" altLang="en-US" dirty="0">
+              <a:latin typeface="微软雅黑" panose="020B0503020204020204" pitchFamily="34" charset="-122"/>
+              <a:ea typeface="微软雅黑" panose="020B0503020204020204" pitchFamily="34" charset="-122"/>
+            </a:endParaRPr>
+          </a:p>
+        </p:txBody>
+      </p:sp>
+      <p:sp>
+        <p:nvSpPr>
+          <p:cNvPr id="35" name="文本框 34"/>
+          <p:cNvSpPr txBox="1"/>
+          <p:nvPr/>
+        </p:nvSpPr>
+        <p:spPr>
+          <a:xfrm>
+            <a:off x="5962026" y="5123210"/>
+            <a:ext cx="461665" cy="1477328"/>
+          </a:xfrm>
+          <a:prstGeom prst="rect">
+            <a:avLst/>
+          </a:prstGeom>
+          <a:noFill/>
+        </p:spPr>
+        <p:txBody>
+          <a:bodyPr vert="eaVert" wrap="none" rtlCol="0">
+            <a:spAutoFit/>
+          </a:bodyPr>
+          <a:lstStyle/>
+          <a:p>
+            <a:r>
+              <a:rPr lang="zh-CN" altLang="en-US" dirty="0" smtClean="0">
+                <a:latin typeface="微软雅黑" panose="020B0503020204020204" pitchFamily="34" charset="-122"/>
+                <a:ea typeface="微软雅黑" panose="020B0503020204020204" pitchFamily="34" charset="-122"/>
+              </a:rPr>
+              <a:t>模板使用原则</a:t>
+            </a:r>
+            <a:endParaRPr lang="zh-CN" altLang="en-US" dirty="0">
+              <a:latin typeface="微软雅黑" panose="020B0503020204020204" pitchFamily="34" charset="-122"/>
+              <a:ea typeface="微软雅黑" panose="020B0503020204020204" pitchFamily="34" charset="-122"/>
+            </a:endParaRPr>
+          </a:p>
+        </p:txBody>
+      </p:sp>
+      <p:sp>
+        <p:nvSpPr>
+          <p:cNvPr id="36" name="文本框 35"/>
+          <p:cNvSpPr txBox="1"/>
+          <p:nvPr/>
+        </p:nvSpPr>
+        <p:spPr>
+          <a:xfrm>
+            <a:off x="8235984" y="5631932"/>
+            <a:ext cx="1279517" cy="369332"/>
+          </a:xfrm>
+          <a:prstGeom prst="rect">
+            <a:avLst/>
+          </a:prstGeom>
+          <a:noFill/>
+        </p:spPr>
+        <p:txBody>
+          <a:bodyPr wrap="none" rtlCol="0">
+            <a:spAutoFit/>
+          </a:bodyPr>
+          <a:lstStyle/>
+          <a:p>
+            <a:r>
+              <a:rPr lang="zh-CN" altLang="en-US" dirty="0" smtClean="0">
+                <a:latin typeface="微软雅黑" panose="020B0503020204020204" pitchFamily="34" charset="-122"/>
+                <a:ea typeface="微软雅黑" panose="020B0503020204020204" pitchFamily="34" charset="-122"/>
+              </a:rPr>
+              <a:t>主题</a:t>
+            </a:r>
+            <a:r>
+              <a:rPr lang="en-US" altLang="zh-CN" dirty="0" smtClean="0">
+                <a:latin typeface="微软雅黑" panose="020B0503020204020204" pitchFamily="34" charset="-122"/>
+                <a:ea typeface="微软雅黑" panose="020B0503020204020204" pitchFamily="34" charset="-122"/>
+              </a:rPr>
+              <a:t>+</a:t>
+            </a:r>
+            <a:r>
+              <a:rPr lang="zh-CN" altLang="en-US" dirty="0" smtClean="0">
+                <a:latin typeface="微软雅黑" panose="020B0503020204020204" pitchFamily="34" charset="-122"/>
+                <a:ea typeface="微软雅黑" panose="020B0503020204020204" pitchFamily="34" charset="-122"/>
+              </a:rPr>
+              <a:t>风格</a:t>
+            </a:r>
+            <a:endParaRPr lang="zh-CN" altLang="en-US" dirty="0">
+              <a:latin typeface="微软雅黑" panose="020B0503020204020204" pitchFamily="34" charset="-122"/>
+              <a:ea typeface="微软雅黑" panose="020B0503020204020204" pitchFamily="34" charset="-122"/>
+            </a:endParaRPr>
+          </a:p>
+        </p:txBody>
+      </p:sp>
+      <p:sp>
+        <p:nvSpPr>
+          <p:cNvPr id="37" name="文本框 36"/>
+          <p:cNvSpPr txBox="1"/>
+          <p:nvPr/>
+        </p:nvSpPr>
+        <p:spPr>
+          <a:xfrm>
+            <a:off x="8235984" y="5141921"/>
+            <a:ext cx="1338828" cy="369332"/>
+          </a:xfrm>
+          <a:prstGeom prst="rect">
+            <a:avLst/>
+          </a:prstGeom>
+          <a:noFill/>
+        </p:spPr>
+        <p:txBody>
+          <a:bodyPr wrap="none" rtlCol="0">
+            <a:spAutoFit/>
+          </a:bodyPr>
+          <a:lstStyle/>
+          <a:p>
+            <a:r>
+              <a:rPr lang="zh-CN" altLang="en-US" dirty="0" smtClean="0">
+                <a:latin typeface="微软雅黑" panose="020B0503020204020204" pitchFamily="34" charset="-122"/>
+                <a:ea typeface="微软雅黑" panose="020B0503020204020204" pitchFamily="34" charset="-122"/>
+              </a:rPr>
+              <a:t>扁平化风格</a:t>
+            </a:r>
+            <a:endParaRPr lang="zh-CN" altLang="en-US" dirty="0">
+              <a:latin typeface="微软雅黑" panose="020B0503020204020204" pitchFamily="34" charset="-122"/>
+              <a:ea typeface="微软雅黑" panose="020B0503020204020204" pitchFamily="34" charset="-122"/>
+            </a:endParaRPr>
+          </a:p>
+        </p:txBody>
+      </p:sp>
+      <p:sp>
+        <p:nvSpPr>
+          <p:cNvPr id="38" name="文本框 37"/>
+          <p:cNvSpPr txBox="1"/>
+          <p:nvPr/>
+        </p:nvSpPr>
+        <p:spPr>
+          <a:xfrm>
+            <a:off x="8235984" y="6113390"/>
+            <a:ext cx="2723823" cy="369332"/>
+          </a:xfrm>
+          <a:prstGeom prst="rect">
+            <a:avLst/>
+          </a:prstGeom>
+          <a:noFill/>
+        </p:spPr>
+        <p:txBody>
+          <a:bodyPr wrap="none" rtlCol="0">
+            <a:spAutoFit/>
+          </a:bodyPr>
+          <a:lstStyle/>
+          <a:p>
+            <a:r>
+              <a:rPr lang="zh-CN" altLang="en-US" dirty="0" smtClean="0">
+                <a:latin typeface="微软雅黑" panose="020B0503020204020204" pitchFamily="34" charset="-122"/>
+                <a:ea typeface="微软雅黑" panose="020B0503020204020204" pitchFamily="34" charset="-122"/>
+              </a:rPr>
+              <a:t>改背景、改颜色、改顺序</a:t>
+            </a:r>
+            <a:endParaRPr lang="zh-CN" altLang="en-US" dirty="0">
+              <a:latin typeface="微软雅黑" panose="020B0503020204020204" pitchFamily="34" charset="-122"/>
+              <a:ea typeface="微软雅黑" panose="020B0503020204020204" pitchFamily="34" charset="-122"/>
+            </a:endParaRPr>
           </a:p>
         </p:txBody>
       </p:sp>
@@ -4005,30 +4453,6 @@
           <a:chExt cx="0" cy="0"/>
         </a:xfrm>
       </p:grpSpPr>
-      <p:pic>
-        <p:nvPicPr>
-          <p:cNvPr id="4" name="图片 3"/>
-          <p:cNvPicPr>
-            <a:picLocks noChangeAspect="1"/>
-          </p:cNvPicPr>
-          <p:nvPr/>
-        </p:nvPicPr>
-        <p:blipFill>
-          <a:blip r:embed="rId2"/>
-          <a:stretch>
-            <a:fillRect/>
-          </a:stretch>
-        </p:blipFill>
-        <p:spPr>
-          <a:xfrm>
-            <a:off x="5242284" y="976410"/>
-            <a:ext cx="6515100" cy="3057525"/>
-          </a:xfrm>
-          <a:prstGeom prst="rect">
-            <a:avLst/>
-          </a:prstGeom>
-        </p:spPr>
-      </p:pic>
       <p:sp>
         <p:nvSpPr>
           <p:cNvPr id="5" name="文本框 4"/>
@@ -4052,6 +4476,16 @@
           <a:lstStyle/>
           <a:p>
             <a:r>
+              <a:rPr lang="en-US" altLang="zh-CN" sz="2800" dirty="0" smtClean="0">
+                <a:solidFill>
+                  <a:schemeClr val="accent1"/>
+                </a:solidFill>
+                <a:latin typeface="微软雅黑" panose="020B0503020204020204" pitchFamily="34" charset="-122"/>
+                <a:ea typeface="微软雅黑" panose="020B0503020204020204" pitchFamily="34" charset="-122"/>
+              </a:rPr>
+              <a:t>PPT</a:t>
+            </a:r>
+            <a:r>
               <a:rPr lang="zh-CN" altLang="en-US" sz="2800" dirty="0" smtClean="0">
                 <a:solidFill>
                   <a:schemeClr val="accent1"/>
@@ -4059,37 +4493,7 @@
                 <a:latin typeface="微软雅黑" panose="020B0503020204020204" pitchFamily="34" charset="-122"/>
                 <a:ea typeface="微软雅黑" panose="020B0503020204020204" pitchFamily="34" charset="-122"/>
               </a:rPr>
-              <a:t>并列的要点转为图形</a:t>
-            </a:r>
-            <a:r>
-              <a:rPr lang="en-US" altLang="zh-CN" sz="2800" dirty="0" smtClean="0">
-                <a:solidFill>
-                  <a:schemeClr val="accent1"/>
-                </a:solidFill>
-                <a:latin typeface="微软雅黑" panose="020B0503020204020204" pitchFamily="34" charset="-122"/>
-                <a:ea typeface="微软雅黑" panose="020B0503020204020204" pitchFamily="34" charset="-122"/>
-              </a:rPr>
-              <a:t>-</a:t>
-            </a:r>
-            <a:r>
-              <a:rPr lang="zh-CN" altLang="en-US" sz="2800" dirty="0" smtClean="0">
-                <a:solidFill>
-                  <a:schemeClr val="accent1"/>
-                </a:solidFill>
-                <a:latin typeface="微软雅黑" panose="020B0503020204020204" pitchFamily="34" charset="-122"/>
-                <a:ea typeface="微软雅黑" panose="020B0503020204020204" pitchFamily="34" charset="-122"/>
-              </a:rPr>
-              <a:t>示例</a:t>
-            </a:r>
-            <a:r>
-              <a:rPr lang="en-US" altLang="zh-CN" sz="2800" dirty="0" smtClean="0">
-                <a:solidFill>
-                  <a:schemeClr val="accent1"/>
-                </a:solidFill>
-                <a:latin typeface="微软雅黑" panose="020B0503020204020204" pitchFamily="34" charset="-122"/>
-                <a:ea typeface="微软雅黑" panose="020B0503020204020204" pitchFamily="34" charset="-122"/>
-              </a:rPr>
-              <a:t>1</a:t>
+              <a:t>范式</a:t>
             </a:r>
             <a:endParaRPr lang="zh-CN" altLang="en-US" sz="2800" dirty="0">
               <a:solidFill>
@@ -4103,120 +4507,16 @@
       </p:sp>
       <p:sp>
         <p:nvSpPr>
-          <p:cNvPr id="6" name="文本框 5"/>
-          <p:cNvSpPr txBox="1"/>
-          <p:nvPr/>
-        </p:nvSpPr>
-        <p:spPr>
-          <a:xfrm>
-            <a:off x="1008668" y="1906666"/>
-            <a:ext cx="1640264" cy="1631216"/>
-          </a:xfrm>
-          <a:prstGeom prst="rect">
-            <a:avLst/>
-          </a:prstGeom>
-          <a:noFill/>
-        </p:spPr>
-        <p:txBody>
-          <a:bodyPr wrap="square" rtlCol="0">
-            <a:spAutoFit/>
-          </a:bodyPr>
-          <a:lstStyle/>
-          <a:p>
-            <a:pPr marL="285750" indent="-285750">
-              <a:buFont typeface="Arial" panose="020B0604020202020204" pitchFamily="34" charset="0"/>
-              <a:buChar char="•"/>
-            </a:pPr>
-            <a:r>
-              <a:rPr lang="zh-CN" altLang="en-US" sz="2000" dirty="0" smtClean="0">
-                <a:latin typeface="微软雅黑" panose="020B0503020204020204" pitchFamily="34" charset="-122"/>
-                <a:ea typeface="微软雅黑" panose="020B0503020204020204" pitchFamily="34" charset="-122"/>
-              </a:rPr>
-              <a:t>数据</a:t>
-            </a:r>
-            <a:endParaRPr lang="en-US" altLang="zh-CN" sz="2000" dirty="0" smtClean="0">
-              <a:latin typeface="微软雅黑" panose="020B0503020204020204" pitchFamily="34" charset="-122"/>
-              <a:ea typeface="微软雅黑" panose="020B0503020204020204" pitchFamily="34" charset="-122"/>
-            </a:endParaRPr>
-          </a:p>
-          <a:p>
-            <a:pPr marL="285750" indent="-285750">
-              <a:buFont typeface="Arial" panose="020B0604020202020204" pitchFamily="34" charset="0"/>
-              <a:buChar char="•"/>
-            </a:pPr>
-            <a:r>
-              <a:rPr lang="zh-CN" altLang="en-US" sz="2000" dirty="0" smtClean="0">
-                <a:latin typeface="微软雅黑" panose="020B0503020204020204" pitchFamily="34" charset="-122"/>
-                <a:ea typeface="微软雅黑" panose="020B0503020204020204" pitchFamily="34" charset="-122"/>
-              </a:rPr>
-              <a:t>土地</a:t>
-            </a:r>
-            <a:endParaRPr lang="en-US" altLang="zh-CN" sz="2000" dirty="0" smtClean="0">
-              <a:latin typeface="微软雅黑" panose="020B0503020204020204" pitchFamily="34" charset="-122"/>
-              <a:ea typeface="微软雅黑" panose="020B0503020204020204" pitchFamily="34" charset="-122"/>
-            </a:endParaRPr>
-          </a:p>
-          <a:p>
-            <a:pPr marL="285750" indent="-285750">
-              <a:buFont typeface="Arial" panose="020B0604020202020204" pitchFamily="34" charset="0"/>
-              <a:buChar char="•"/>
-            </a:pPr>
-            <a:r>
-              <a:rPr lang="zh-CN" altLang="en-US" sz="2000" dirty="0" smtClean="0">
-                <a:latin typeface="微软雅黑" panose="020B0503020204020204" pitchFamily="34" charset="-122"/>
-                <a:ea typeface="微软雅黑" panose="020B0503020204020204" pitchFamily="34" charset="-122"/>
-              </a:rPr>
-              <a:t>技术</a:t>
-            </a:r>
-            <a:endParaRPr lang="en-US" altLang="zh-CN" sz="2000" dirty="0" smtClean="0">
-              <a:latin typeface="微软雅黑" panose="020B0503020204020204" pitchFamily="34" charset="-122"/>
-              <a:ea typeface="微软雅黑" panose="020B0503020204020204" pitchFamily="34" charset="-122"/>
-            </a:endParaRPr>
-          </a:p>
-          <a:p>
-            <a:pPr marL="285750" indent="-285750">
-              <a:buFont typeface="Arial" panose="020B0604020202020204" pitchFamily="34" charset="0"/>
-              <a:buChar char="•"/>
-            </a:pPr>
-            <a:r>
-              <a:rPr lang="zh-CN" altLang="en-US" sz="2000" dirty="0" smtClean="0">
-                <a:latin typeface="微软雅黑" panose="020B0503020204020204" pitchFamily="34" charset="-122"/>
-                <a:ea typeface="微软雅黑" panose="020B0503020204020204" pitchFamily="34" charset="-122"/>
-              </a:rPr>
-              <a:t>资本</a:t>
-            </a:r>
-            <a:endParaRPr lang="en-US" altLang="zh-CN" sz="2000" dirty="0" smtClean="0">
-              <a:latin typeface="微软雅黑" panose="020B0503020204020204" pitchFamily="34" charset="-122"/>
-              <a:ea typeface="微软雅黑" panose="020B0503020204020204" pitchFamily="34" charset="-122"/>
-            </a:endParaRPr>
-          </a:p>
-          <a:p>
-            <a:pPr marL="285750" indent="-285750">
-              <a:buFont typeface="Arial" panose="020B0604020202020204" pitchFamily="34" charset="0"/>
-              <a:buChar char="•"/>
-            </a:pPr>
-            <a:r>
-              <a:rPr lang="zh-CN" altLang="en-US" sz="2000" dirty="0">
-                <a:latin typeface="微软雅黑" panose="020B0503020204020204" pitchFamily="34" charset="-122"/>
-                <a:ea typeface="微软雅黑" panose="020B0503020204020204" pitchFamily="34" charset="-122"/>
-              </a:rPr>
-              <a:t>劳动力</a:t>
-            </a:r>
-          </a:p>
-        </p:txBody>
-      </p:sp>
-      <p:sp>
-        <p:nvSpPr>
-          <p:cNvPr id="7" name="右箭头 6"/>
+          <p:cNvPr id="31" name="圆角矩形 30"/>
           <p:cNvSpPr/>
           <p:nvPr/>
         </p:nvSpPr>
         <p:spPr>
           <a:xfrm>
-            <a:off x="3403077" y="2314470"/>
-            <a:ext cx="1244338" cy="815608"/>
-          </a:xfrm>
-          <a:prstGeom prst="rightArrow">
+            <a:off x="810574" y="3371006"/>
+            <a:ext cx="1475328" cy="441900"/>
+          </a:xfrm>
+          <a:prstGeom prst="roundRect">
             <a:avLst/>
           </a:prstGeom>
         </p:spPr>
@@ -4241,30 +4541,34 @@
           <a:lstStyle/>
           <a:p>
             <a:pPr algn="ctr"/>
-            <a:endParaRPr lang="zh-CN" altLang="en-US"/>
-          </a:p>
-        </p:txBody>
-      </p:sp>
-      <p:sp>
-        <p:nvSpPr>
-          <p:cNvPr id="8" name="圆角矩形 7"/>
+            <a:r>
+              <a:rPr lang="zh-CN" altLang="en-US" dirty="0" smtClean="0">
+                <a:latin typeface="微软雅黑" panose="020B0503020204020204" pitchFamily="34" charset="-122"/>
+                <a:ea typeface="微软雅黑" panose="020B0503020204020204" pitchFamily="34" charset="-122"/>
+              </a:rPr>
+              <a:t>定向拆分</a:t>
+            </a:r>
+            <a:endParaRPr lang="zh-CN" altLang="en-US" dirty="0">
+              <a:latin typeface="微软雅黑" panose="020B0503020204020204" pitchFamily="34" charset="-122"/>
+              <a:ea typeface="微软雅黑" panose="020B0503020204020204" pitchFamily="34" charset="-122"/>
+            </a:endParaRPr>
+          </a:p>
+        </p:txBody>
+      </p:sp>
+      <p:sp>
+        <p:nvSpPr>
+          <p:cNvPr id="3" name="椭圆 2"/>
           <p:cNvSpPr/>
           <p:nvPr/>
         </p:nvSpPr>
         <p:spPr>
           <a:xfrm>
-            <a:off x="1404594" y="4411745"/>
-            <a:ext cx="7371760" cy="1847653"/>
-          </a:xfrm>
-          <a:prstGeom prst="roundRect">
+            <a:off x="3016578" y="1597811"/>
+            <a:ext cx="1753385" cy="617488"/>
+          </a:xfrm>
+          <a:prstGeom prst="ellipse">
             <a:avLst/>
           </a:prstGeom>
-          <a:solidFill>
-            <a:schemeClr val="tx2">
-              <a:lumMod val="40000"/>
-              <a:lumOff val="60000"/>
-            </a:schemeClr>
-          </a:solidFill>
         </p:spPr>
         <p:style>
           <a:lnRef idx="2">
@@ -4287,57 +4591,12 @@
           <a:lstStyle/>
           <a:p>
             <a:pPr algn="ctr"/>
-            <a:endParaRPr lang="zh-CN" altLang="en-US"/>
-          </a:p>
-        </p:txBody>
-      </p:sp>
-      <p:sp>
-        <p:nvSpPr>
-          <p:cNvPr id="9" name="文本框 8"/>
-          <p:cNvSpPr txBox="1"/>
-          <p:nvPr/>
-        </p:nvSpPr>
-        <p:spPr>
-          <a:xfrm>
-            <a:off x="1894788" y="4600817"/>
-            <a:ext cx="6297105" cy="923330"/>
-          </a:xfrm>
-          <a:prstGeom prst="rect">
-            <a:avLst/>
-          </a:prstGeom>
-          <a:noFill/>
-        </p:spPr>
-        <p:txBody>
-          <a:bodyPr wrap="square" rtlCol="0">
-            <a:spAutoFit/>
-          </a:bodyPr>
-          <a:lstStyle/>
-          <a:p>
             <a:r>
               <a:rPr lang="zh-CN" altLang="en-US" dirty="0" smtClean="0">
                 <a:latin typeface="微软雅黑" panose="020B0503020204020204" pitchFamily="34" charset="-122"/>
                 <a:ea typeface="微软雅黑" panose="020B0503020204020204" pitchFamily="34" charset="-122"/>
               </a:rPr>
-              <a:t>棱锥图形：突出重点，同时将其他要素并列</a:t>
-            </a:r>
-            <a:endParaRPr lang="en-US" altLang="zh-CN" dirty="0" smtClean="0">
-              <a:latin typeface="微软雅黑" panose="020B0503020204020204" pitchFamily="34" charset="-122"/>
-              <a:ea typeface="微软雅黑" panose="020B0503020204020204" pitchFamily="34" charset="-122"/>
-            </a:endParaRPr>
-          </a:p>
-          <a:p>
-            <a:endParaRPr lang="en-US" altLang="zh-CN" dirty="0">
-              <a:latin typeface="微软雅黑" panose="020B0503020204020204" pitchFamily="34" charset="-122"/>
-              <a:ea typeface="微软雅黑" panose="020B0503020204020204" pitchFamily="34" charset="-122"/>
-            </a:endParaRPr>
-          </a:p>
-          <a:p>
-            <a:r>
-              <a:rPr lang="zh-CN" altLang="en-US" dirty="0" smtClean="0">
-                <a:latin typeface="微软雅黑" panose="020B0503020204020204" pitchFamily="34" charset="-122"/>
-                <a:ea typeface="微软雅黑" panose="020B0503020204020204" pitchFamily="34" charset="-122"/>
-              </a:rPr>
-              <a:t>对于并列的要点，是否也可以可以其他图形？</a:t>
+              <a:t>布局方式</a:t>
             </a:r>
             <a:endParaRPr lang="zh-CN" altLang="en-US" dirty="0">
               <a:latin typeface="微软雅黑" panose="020B0503020204020204" pitchFamily="34" charset="-122"/>
@@ -4348,16 +4607,16 @@
       </p:sp>
       <p:sp>
         <p:nvSpPr>
-          <p:cNvPr id="10" name="线形标注 1(带强调线) 9"/>
+          <p:cNvPr id="33" name="椭圆 32"/>
           <p:cNvSpPr/>
           <p:nvPr/>
         </p:nvSpPr>
         <p:spPr>
           <a:xfrm>
-            <a:off x="9975718" y="400879"/>
-            <a:ext cx="1781666" cy="1018383"/>
-          </a:xfrm>
-          <a:prstGeom prst="accentCallout1">
+            <a:off x="3016576" y="2391990"/>
+            <a:ext cx="1753385" cy="617488"/>
+          </a:xfrm>
+          <a:prstGeom prst="ellipse">
             <a:avLst/>
           </a:prstGeom>
         </p:spPr>
@@ -4387,7 +4646,7 @@
                 <a:latin typeface="微软雅黑" panose="020B0503020204020204" pitchFamily="34" charset="-122"/>
                 <a:ea typeface="微软雅黑" panose="020B0503020204020204" pitchFamily="34" charset="-122"/>
               </a:rPr>
-              <a:t>案例来自：数澜科技白皮书</a:t>
+              <a:t>页面背景</a:t>
             </a:r>
             <a:endParaRPr lang="zh-CN" altLang="en-US" dirty="0">
               <a:latin typeface="微软雅黑" panose="020B0503020204020204" pitchFamily="34" charset="-122"/>
@@ -4396,10 +4655,319 @@
           </a:p>
         </p:txBody>
       </p:sp>
+      <p:sp>
+        <p:nvSpPr>
+          <p:cNvPr id="34" name="椭圆 33"/>
+          <p:cNvSpPr/>
+          <p:nvPr/>
+        </p:nvSpPr>
+        <p:spPr>
+          <a:xfrm>
+            <a:off x="3016574" y="3186169"/>
+            <a:ext cx="1753385" cy="617488"/>
+          </a:xfrm>
+          <a:prstGeom prst="ellipse">
+            <a:avLst/>
+          </a:prstGeom>
+        </p:spPr>
+        <p:style>
+          <a:lnRef idx="2">
+            <a:schemeClr val="accent1">
+              <a:shade val="50000"/>
+            </a:schemeClr>
+          </a:lnRef>
+          <a:fillRef idx="1">
+            <a:schemeClr val="accent1"/>
+          </a:fillRef>
+          <a:effectRef idx="0">
+            <a:schemeClr val="accent1"/>
+          </a:effectRef>
+          <a:fontRef idx="minor">
+            <a:schemeClr val="lt1"/>
+          </a:fontRef>
+        </p:style>
+        <p:txBody>
+          <a:bodyPr rtlCol="0" anchor="ctr"/>
+          <a:lstStyle/>
+          <a:p>
+            <a:pPr algn="ctr"/>
+            <a:r>
+              <a:rPr lang="zh-CN" altLang="en-US" dirty="0" smtClean="0">
+                <a:latin typeface="微软雅黑" panose="020B0503020204020204" pitchFamily="34" charset="-122"/>
+                <a:ea typeface="微软雅黑" panose="020B0503020204020204" pitchFamily="34" charset="-122"/>
+              </a:rPr>
+              <a:t>标题样式</a:t>
+            </a:r>
+            <a:endParaRPr lang="zh-CN" altLang="en-US" dirty="0">
+              <a:latin typeface="微软雅黑" panose="020B0503020204020204" pitchFamily="34" charset="-122"/>
+              <a:ea typeface="微软雅黑" panose="020B0503020204020204" pitchFamily="34" charset="-122"/>
+            </a:endParaRPr>
+          </a:p>
+        </p:txBody>
+      </p:sp>
+      <p:sp>
+        <p:nvSpPr>
+          <p:cNvPr id="40" name="椭圆 39"/>
+          <p:cNvSpPr/>
+          <p:nvPr/>
+        </p:nvSpPr>
+        <p:spPr>
+          <a:xfrm>
+            <a:off x="3016574" y="3980348"/>
+            <a:ext cx="1753385" cy="617488"/>
+          </a:xfrm>
+          <a:prstGeom prst="ellipse">
+            <a:avLst/>
+          </a:prstGeom>
+        </p:spPr>
+        <p:style>
+          <a:lnRef idx="2">
+            <a:schemeClr val="accent1">
+              <a:shade val="50000"/>
+            </a:schemeClr>
+          </a:lnRef>
+          <a:fillRef idx="1">
+            <a:schemeClr val="accent1"/>
+          </a:fillRef>
+          <a:effectRef idx="0">
+            <a:schemeClr val="accent1"/>
+          </a:effectRef>
+          <a:fontRef idx="minor">
+            <a:schemeClr val="lt1"/>
+          </a:fontRef>
+        </p:style>
+        <p:txBody>
+          <a:bodyPr rtlCol="0" anchor="ctr"/>
+          <a:lstStyle/>
+          <a:p>
+            <a:pPr algn="ctr"/>
+            <a:r>
+              <a:rPr lang="zh-CN" altLang="en-US" dirty="0" smtClean="0">
+                <a:latin typeface="微软雅黑" panose="020B0503020204020204" pitchFamily="34" charset="-122"/>
+                <a:ea typeface="微软雅黑" panose="020B0503020204020204" pitchFamily="34" charset="-122"/>
+              </a:rPr>
+              <a:t>装饰元素</a:t>
+            </a:r>
+            <a:endParaRPr lang="zh-CN" altLang="en-US" dirty="0">
+              <a:latin typeface="微软雅黑" panose="020B0503020204020204" pitchFamily="34" charset="-122"/>
+              <a:ea typeface="微软雅黑" panose="020B0503020204020204" pitchFamily="34" charset="-122"/>
+            </a:endParaRPr>
+          </a:p>
+        </p:txBody>
+      </p:sp>
+      <p:sp>
+        <p:nvSpPr>
+          <p:cNvPr id="41" name="椭圆 40"/>
+          <p:cNvSpPr/>
+          <p:nvPr/>
+        </p:nvSpPr>
+        <p:spPr>
+          <a:xfrm>
+            <a:off x="3016574" y="4774527"/>
+            <a:ext cx="1753385" cy="617488"/>
+          </a:xfrm>
+          <a:prstGeom prst="ellipse">
+            <a:avLst/>
+          </a:prstGeom>
+        </p:spPr>
+        <p:style>
+          <a:lnRef idx="2">
+            <a:schemeClr val="accent1">
+              <a:shade val="50000"/>
+            </a:schemeClr>
+          </a:lnRef>
+          <a:fillRef idx="1">
+            <a:schemeClr val="accent1"/>
+          </a:fillRef>
+          <a:effectRef idx="0">
+            <a:schemeClr val="accent1"/>
+          </a:effectRef>
+          <a:fontRef idx="minor">
+            <a:schemeClr val="lt1"/>
+          </a:fontRef>
+        </p:style>
+        <p:txBody>
+          <a:bodyPr rtlCol="0" anchor="ctr"/>
+          <a:lstStyle/>
+          <a:p>
+            <a:pPr algn="ctr"/>
+            <a:r>
+              <a:rPr lang="zh-CN" altLang="en-US" dirty="0" smtClean="0">
+                <a:latin typeface="微软雅黑" panose="020B0503020204020204" pitchFamily="34" charset="-122"/>
+                <a:ea typeface="微软雅黑" panose="020B0503020204020204" pitchFamily="34" charset="-122"/>
+              </a:rPr>
+              <a:t>图片处理</a:t>
+            </a:r>
+            <a:endParaRPr lang="zh-CN" altLang="en-US" dirty="0">
+              <a:latin typeface="微软雅黑" panose="020B0503020204020204" pitchFamily="34" charset="-122"/>
+              <a:ea typeface="微软雅黑" panose="020B0503020204020204" pitchFamily="34" charset="-122"/>
+            </a:endParaRPr>
+          </a:p>
+        </p:txBody>
+      </p:sp>
+      <p:sp>
+        <p:nvSpPr>
+          <p:cNvPr id="42" name="椭圆 41"/>
+          <p:cNvSpPr/>
+          <p:nvPr/>
+        </p:nvSpPr>
+        <p:spPr>
+          <a:xfrm>
+            <a:off x="3016574" y="5568707"/>
+            <a:ext cx="1753385" cy="617488"/>
+          </a:xfrm>
+          <a:prstGeom prst="ellipse">
+            <a:avLst/>
+          </a:prstGeom>
+        </p:spPr>
+        <p:style>
+          <a:lnRef idx="2">
+            <a:schemeClr val="accent1">
+              <a:shade val="50000"/>
+            </a:schemeClr>
+          </a:lnRef>
+          <a:fillRef idx="1">
+            <a:schemeClr val="accent1"/>
+          </a:fillRef>
+          <a:effectRef idx="0">
+            <a:schemeClr val="accent1"/>
+          </a:effectRef>
+          <a:fontRef idx="minor">
+            <a:schemeClr val="lt1"/>
+          </a:fontRef>
+        </p:style>
+        <p:txBody>
+          <a:bodyPr rtlCol="0" anchor="ctr"/>
+          <a:lstStyle/>
+          <a:p>
+            <a:pPr algn="ctr"/>
+            <a:r>
+              <a:rPr lang="zh-CN" altLang="en-US" dirty="0" smtClean="0">
+                <a:latin typeface="微软雅黑" panose="020B0503020204020204" pitchFamily="34" charset="-122"/>
+                <a:ea typeface="微软雅黑" panose="020B0503020204020204" pitchFamily="34" charset="-122"/>
+              </a:rPr>
+              <a:t>文字呈现</a:t>
+            </a:r>
+            <a:endParaRPr lang="zh-CN" altLang="en-US" dirty="0">
+              <a:latin typeface="微软雅黑" panose="020B0503020204020204" pitchFamily="34" charset="-122"/>
+              <a:ea typeface="微软雅黑" panose="020B0503020204020204" pitchFamily="34" charset="-122"/>
+            </a:endParaRPr>
+          </a:p>
+        </p:txBody>
+      </p:sp>
+      <p:sp>
+        <p:nvSpPr>
+          <p:cNvPr id="43" name="圆角矩形 42"/>
+          <p:cNvSpPr/>
+          <p:nvPr/>
+        </p:nvSpPr>
+        <p:spPr>
+          <a:xfrm>
+            <a:off x="6592249" y="3371006"/>
+            <a:ext cx="1475328" cy="441900"/>
+          </a:xfrm>
+          <a:prstGeom prst="roundRect">
+            <a:avLst/>
+          </a:prstGeom>
+        </p:spPr>
+        <p:style>
+          <a:lnRef idx="2">
+            <a:schemeClr val="accent1">
+              <a:shade val="50000"/>
+            </a:schemeClr>
+          </a:lnRef>
+          <a:fillRef idx="1">
+            <a:schemeClr val="accent1"/>
+          </a:fillRef>
+          <a:effectRef idx="0">
+            <a:schemeClr val="accent1"/>
+          </a:effectRef>
+          <a:fontRef idx="minor">
+            <a:schemeClr val="lt1"/>
+          </a:fontRef>
+        </p:style>
+        <p:txBody>
+          <a:bodyPr rtlCol="0" anchor="ctr"/>
+          <a:lstStyle/>
+          <a:p>
+            <a:pPr algn="ctr"/>
+            <a:r>
+              <a:rPr lang="zh-CN" altLang="en-US" dirty="0" smtClean="0">
+                <a:latin typeface="微软雅黑" panose="020B0503020204020204" pitchFamily="34" charset="-122"/>
+                <a:ea typeface="微软雅黑" panose="020B0503020204020204" pitchFamily="34" charset="-122"/>
+              </a:rPr>
+              <a:t>重新组合</a:t>
+            </a:r>
+            <a:endParaRPr lang="zh-CN" altLang="en-US" dirty="0">
+              <a:latin typeface="微软雅黑" panose="020B0503020204020204" pitchFamily="34" charset="-122"/>
+              <a:ea typeface="微软雅黑" panose="020B0503020204020204" pitchFamily="34" charset="-122"/>
+            </a:endParaRPr>
+          </a:p>
+        </p:txBody>
+      </p:sp>
+      <p:sp>
+        <p:nvSpPr>
+          <p:cNvPr id="4" name="矩形 3"/>
+          <p:cNvSpPr/>
+          <p:nvPr/>
+        </p:nvSpPr>
+        <p:spPr>
+          <a:xfrm>
+            <a:off x="7058025" y="438150"/>
+            <a:ext cx="3695700" cy="1343025"/>
+          </a:xfrm>
+          <a:prstGeom prst="rect">
+            <a:avLst/>
+          </a:prstGeom>
+          <a:gradFill flip="none" rotWithShape="1">
+            <a:gsLst>
+              <a:gs pos="0">
+                <a:schemeClr val="accent1">
+                  <a:lumMod val="5000"/>
+                  <a:lumOff val="95000"/>
+                  <a:alpha val="0"/>
+                </a:schemeClr>
+              </a:gs>
+              <a:gs pos="100000">
+                <a:schemeClr val="tx1"/>
+              </a:gs>
+            </a:gsLst>
+            <a:lin ang="2700000" scaled="1"/>
+            <a:tileRect/>
+          </a:gradFill>
+          <a:ln>
+            <a:noFill/>
+          </a:ln>
+        </p:spPr>
+        <p:style>
+          <a:lnRef idx="2">
+            <a:schemeClr val="accent1">
+              <a:shade val="50000"/>
+            </a:schemeClr>
+          </a:lnRef>
+          <a:fillRef idx="1">
+            <a:schemeClr val="accent1"/>
+          </a:fillRef>
+          <a:effectRef idx="0">
+            <a:schemeClr val="accent1"/>
+          </a:effectRef>
+          <a:fontRef idx="minor">
+            <a:schemeClr val="lt1"/>
+          </a:fontRef>
+        </p:style>
+        <p:txBody>
+          <a:bodyPr rtlCol="0" anchor="ctr"/>
+          <a:lstStyle/>
+          <a:p>
+            <a:pPr algn="ctr"/>
+            <a:endParaRPr lang="zh-CN" altLang="en-US"/>
+          </a:p>
+        </p:txBody>
+      </p:sp>
     </p:spTree>
     <p:extLst>
       <p:ext uri="{BB962C8B-B14F-4D97-AF65-F5344CB8AC3E}">
-        <p14:creationId xmlns:p14="http://schemas.microsoft.com/office/powerpoint/2010/main" val="1599339993"/>
+        <p14:creationId xmlns:p14="http://schemas.microsoft.com/office/powerpoint/2010/main" val="1833155464"/>
       </p:ext>
     </p:extLst>
   </p:cSld>
@@ -4435,6 +5003,434 @@
       </p:grpSpPr>
       <p:pic>
         <p:nvPicPr>
+          <p:cNvPr id="4" name="图片 3"/>
+          <p:cNvPicPr>
+            <a:picLocks noChangeAspect="1"/>
+          </p:cNvPicPr>
+          <p:nvPr/>
+        </p:nvPicPr>
+        <p:blipFill>
+          <a:blip r:embed="rId2"/>
+          <a:stretch>
+            <a:fillRect/>
+          </a:stretch>
+        </p:blipFill>
+        <p:spPr>
+          <a:xfrm>
+            <a:off x="5242284" y="976410"/>
+            <a:ext cx="6515100" cy="3057525"/>
+          </a:xfrm>
+          <a:prstGeom prst="rect">
+            <a:avLst/>
+          </a:prstGeom>
+        </p:spPr>
+      </p:pic>
+      <p:sp>
+        <p:nvSpPr>
+          <p:cNvPr id="5" name="文本框 4"/>
+          <p:cNvSpPr txBox="1"/>
+          <p:nvPr/>
+        </p:nvSpPr>
+        <p:spPr>
+          <a:xfrm>
+            <a:off x="367646" y="320511"/>
+            <a:ext cx="5297864" cy="523220"/>
+          </a:xfrm>
+          <a:prstGeom prst="rect">
+            <a:avLst/>
+          </a:prstGeom>
+          <a:noFill/>
+        </p:spPr>
+        <p:txBody>
+          <a:bodyPr wrap="square" rtlCol="0">
+            <a:spAutoFit/>
+          </a:bodyPr>
+          <a:lstStyle/>
+          <a:p>
+            <a:r>
+              <a:rPr lang="zh-CN" altLang="en-US" sz="2800" dirty="0" smtClean="0">
+                <a:solidFill>
+                  <a:schemeClr val="accent1"/>
+                </a:solidFill>
+                <a:latin typeface="微软雅黑" panose="020B0503020204020204" pitchFamily="34" charset="-122"/>
+                <a:ea typeface="微软雅黑" panose="020B0503020204020204" pitchFamily="34" charset="-122"/>
+              </a:rPr>
+              <a:t>并列的要点转为图形</a:t>
+            </a:r>
+            <a:r>
+              <a:rPr lang="en-US" altLang="zh-CN" sz="2800" dirty="0" smtClean="0">
+                <a:solidFill>
+                  <a:schemeClr val="accent1"/>
+                </a:solidFill>
+                <a:latin typeface="微软雅黑" panose="020B0503020204020204" pitchFamily="34" charset="-122"/>
+                <a:ea typeface="微软雅黑" panose="020B0503020204020204" pitchFamily="34" charset="-122"/>
+              </a:rPr>
+              <a:t>-</a:t>
+            </a:r>
+            <a:r>
+              <a:rPr lang="zh-CN" altLang="en-US" sz="2800" dirty="0" smtClean="0">
+                <a:solidFill>
+                  <a:schemeClr val="accent1"/>
+                </a:solidFill>
+                <a:latin typeface="微软雅黑" panose="020B0503020204020204" pitchFamily="34" charset="-122"/>
+                <a:ea typeface="微软雅黑" panose="020B0503020204020204" pitchFamily="34" charset="-122"/>
+              </a:rPr>
+              <a:t>示例</a:t>
+            </a:r>
+            <a:r>
+              <a:rPr lang="en-US" altLang="zh-CN" sz="2800" dirty="0" smtClean="0">
+                <a:solidFill>
+                  <a:schemeClr val="accent1"/>
+                </a:solidFill>
+                <a:latin typeface="微软雅黑" panose="020B0503020204020204" pitchFamily="34" charset="-122"/>
+                <a:ea typeface="微软雅黑" panose="020B0503020204020204" pitchFamily="34" charset="-122"/>
+              </a:rPr>
+              <a:t>1</a:t>
+            </a:r>
+            <a:endParaRPr lang="zh-CN" altLang="en-US" sz="2800" dirty="0">
+              <a:solidFill>
+                <a:schemeClr val="accent1"/>
+              </a:solidFill>
+              <a:latin typeface="微软雅黑" panose="020B0503020204020204" pitchFamily="34" charset="-122"/>
+              <a:ea typeface="微软雅黑" panose="020B0503020204020204" pitchFamily="34" charset="-122"/>
+            </a:endParaRPr>
+          </a:p>
+        </p:txBody>
+      </p:sp>
+      <p:sp>
+        <p:nvSpPr>
+          <p:cNvPr id="6" name="文本框 5"/>
+          <p:cNvSpPr txBox="1"/>
+          <p:nvPr/>
+        </p:nvSpPr>
+        <p:spPr>
+          <a:xfrm>
+            <a:off x="1008668" y="1906666"/>
+            <a:ext cx="1640264" cy="1631216"/>
+          </a:xfrm>
+          <a:prstGeom prst="rect">
+            <a:avLst/>
+          </a:prstGeom>
+          <a:noFill/>
+        </p:spPr>
+        <p:txBody>
+          <a:bodyPr wrap="square" rtlCol="0">
+            <a:spAutoFit/>
+          </a:bodyPr>
+          <a:lstStyle/>
+          <a:p>
+            <a:pPr marL="285750" indent="-285750">
+              <a:buFont typeface="Arial" panose="020B0604020202020204" pitchFamily="34" charset="0"/>
+              <a:buChar char="•"/>
+            </a:pPr>
+            <a:r>
+              <a:rPr lang="zh-CN" altLang="en-US" sz="2000" dirty="0" smtClean="0">
+                <a:latin typeface="微软雅黑" panose="020B0503020204020204" pitchFamily="34" charset="-122"/>
+                <a:ea typeface="微软雅黑" panose="020B0503020204020204" pitchFamily="34" charset="-122"/>
+              </a:rPr>
+              <a:t>数据</a:t>
+            </a:r>
+            <a:endParaRPr lang="en-US" altLang="zh-CN" sz="2000" dirty="0" smtClean="0">
+              <a:latin typeface="微软雅黑" panose="020B0503020204020204" pitchFamily="34" charset="-122"/>
+              <a:ea typeface="微软雅黑" panose="020B0503020204020204" pitchFamily="34" charset="-122"/>
+            </a:endParaRPr>
+          </a:p>
+          <a:p>
+            <a:pPr marL="285750" indent="-285750">
+              <a:buFont typeface="Arial" panose="020B0604020202020204" pitchFamily="34" charset="0"/>
+              <a:buChar char="•"/>
+            </a:pPr>
+            <a:r>
+              <a:rPr lang="zh-CN" altLang="en-US" sz="2000" dirty="0" smtClean="0">
+                <a:latin typeface="微软雅黑" panose="020B0503020204020204" pitchFamily="34" charset="-122"/>
+                <a:ea typeface="微软雅黑" panose="020B0503020204020204" pitchFamily="34" charset="-122"/>
+              </a:rPr>
+              <a:t>土地</a:t>
+            </a:r>
+            <a:endParaRPr lang="en-US" altLang="zh-CN" sz="2000" dirty="0" smtClean="0">
+              <a:latin typeface="微软雅黑" panose="020B0503020204020204" pitchFamily="34" charset="-122"/>
+              <a:ea typeface="微软雅黑" panose="020B0503020204020204" pitchFamily="34" charset="-122"/>
+            </a:endParaRPr>
+          </a:p>
+          <a:p>
+            <a:pPr marL="285750" indent="-285750">
+              <a:buFont typeface="Arial" panose="020B0604020202020204" pitchFamily="34" charset="0"/>
+              <a:buChar char="•"/>
+            </a:pPr>
+            <a:r>
+              <a:rPr lang="zh-CN" altLang="en-US" sz="2000" dirty="0" smtClean="0">
+                <a:latin typeface="微软雅黑" panose="020B0503020204020204" pitchFamily="34" charset="-122"/>
+                <a:ea typeface="微软雅黑" panose="020B0503020204020204" pitchFamily="34" charset="-122"/>
+              </a:rPr>
+              <a:t>技术</a:t>
+            </a:r>
+            <a:endParaRPr lang="en-US" altLang="zh-CN" sz="2000" dirty="0" smtClean="0">
+              <a:latin typeface="微软雅黑" panose="020B0503020204020204" pitchFamily="34" charset="-122"/>
+              <a:ea typeface="微软雅黑" panose="020B0503020204020204" pitchFamily="34" charset="-122"/>
+            </a:endParaRPr>
+          </a:p>
+          <a:p>
+            <a:pPr marL="285750" indent="-285750">
+              <a:buFont typeface="Arial" panose="020B0604020202020204" pitchFamily="34" charset="0"/>
+              <a:buChar char="•"/>
+            </a:pPr>
+            <a:r>
+              <a:rPr lang="zh-CN" altLang="en-US" sz="2000" dirty="0" smtClean="0">
+                <a:latin typeface="微软雅黑" panose="020B0503020204020204" pitchFamily="34" charset="-122"/>
+                <a:ea typeface="微软雅黑" panose="020B0503020204020204" pitchFamily="34" charset="-122"/>
+              </a:rPr>
+              <a:t>资本</a:t>
+            </a:r>
+            <a:endParaRPr lang="en-US" altLang="zh-CN" sz="2000" dirty="0" smtClean="0">
+              <a:latin typeface="微软雅黑" panose="020B0503020204020204" pitchFamily="34" charset="-122"/>
+              <a:ea typeface="微软雅黑" panose="020B0503020204020204" pitchFamily="34" charset="-122"/>
+            </a:endParaRPr>
+          </a:p>
+          <a:p>
+            <a:pPr marL="285750" indent="-285750">
+              <a:buFont typeface="Arial" panose="020B0604020202020204" pitchFamily="34" charset="0"/>
+              <a:buChar char="•"/>
+            </a:pPr>
+            <a:r>
+              <a:rPr lang="zh-CN" altLang="en-US" sz="2000" dirty="0">
+                <a:latin typeface="微软雅黑" panose="020B0503020204020204" pitchFamily="34" charset="-122"/>
+                <a:ea typeface="微软雅黑" panose="020B0503020204020204" pitchFamily="34" charset="-122"/>
+              </a:rPr>
+              <a:t>劳动力</a:t>
+            </a:r>
+          </a:p>
+        </p:txBody>
+      </p:sp>
+      <p:sp>
+        <p:nvSpPr>
+          <p:cNvPr id="7" name="右箭头 6"/>
+          <p:cNvSpPr/>
+          <p:nvPr/>
+        </p:nvSpPr>
+        <p:spPr>
+          <a:xfrm>
+            <a:off x="3403077" y="2314470"/>
+            <a:ext cx="1244338" cy="815608"/>
+          </a:xfrm>
+          <a:prstGeom prst="rightArrow">
+            <a:avLst/>
+          </a:prstGeom>
+        </p:spPr>
+        <p:style>
+          <a:lnRef idx="2">
+            <a:schemeClr val="accent1">
+              <a:shade val="50000"/>
+            </a:schemeClr>
+          </a:lnRef>
+          <a:fillRef idx="1">
+            <a:schemeClr val="accent1"/>
+          </a:fillRef>
+          <a:effectRef idx="0">
+            <a:schemeClr val="accent1"/>
+          </a:effectRef>
+          <a:fontRef idx="minor">
+            <a:schemeClr val="lt1"/>
+          </a:fontRef>
+        </p:style>
+        <p:txBody>
+          <a:bodyPr rtlCol="0" anchor="ctr"/>
+          <a:lstStyle/>
+          <a:p>
+            <a:pPr algn="ctr"/>
+            <a:endParaRPr lang="zh-CN" altLang="en-US"/>
+          </a:p>
+        </p:txBody>
+      </p:sp>
+      <p:sp>
+        <p:nvSpPr>
+          <p:cNvPr id="8" name="圆角矩形 7"/>
+          <p:cNvSpPr/>
+          <p:nvPr/>
+        </p:nvSpPr>
+        <p:spPr>
+          <a:xfrm>
+            <a:off x="1404594" y="4411745"/>
+            <a:ext cx="7371760" cy="1847653"/>
+          </a:xfrm>
+          <a:prstGeom prst="roundRect">
+            <a:avLst/>
+          </a:prstGeom>
+          <a:solidFill>
+            <a:schemeClr val="tx2">
+              <a:lumMod val="40000"/>
+              <a:lumOff val="60000"/>
+            </a:schemeClr>
+          </a:solidFill>
+        </p:spPr>
+        <p:style>
+          <a:lnRef idx="2">
+            <a:schemeClr val="accent1">
+              <a:shade val="50000"/>
+            </a:schemeClr>
+          </a:lnRef>
+          <a:fillRef idx="1">
+            <a:schemeClr val="accent1"/>
+          </a:fillRef>
+          <a:effectRef idx="0">
+            <a:schemeClr val="accent1"/>
+          </a:effectRef>
+          <a:fontRef idx="minor">
+            <a:schemeClr val="lt1"/>
+          </a:fontRef>
+        </p:style>
+        <p:txBody>
+          <a:bodyPr rtlCol="0" anchor="ctr"/>
+          <a:lstStyle/>
+          <a:p>
+            <a:pPr algn="ctr"/>
+            <a:endParaRPr lang="zh-CN" altLang="en-US"/>
+          </a:p>
+        </p:txBody>
+      </p:sp>
+      <p:sp>
+        <p:nvSpPr>
+          <p:cNvPr id="9" name="文本框 8"/>
+          <p:cNvSpPr txBox="1"/>
+          <p:nvPr/>
+        </p:nvSpPr>
+        <p:spPr>
+          <a:xfrm>
+            <a:off x="1894788" y="4600817"/>
+            <a:ext cx="6297105" cy="923330"/>
+          </a:xfrm>
+          <a:prstGeom prst="rect">
+            <a:avLst/>
+          </a:prstGeom>
+          <a:noFill/>
+        </p:spPr>
+        <p:txBody>
+          <a:bodyPr wrap="square" rtlCol="0">
+            <a:spAutoFit/>
+          </a:bodyPr>
+          <a:lstStyle/>
+          <a:p>
+            <a:r>
+              <a:rPr lang="zh-CN" altLang="en-US" dirty="0" smtClean="0">
+                <a:latin typeface="微软雅黑" panose="020B0503020204020204" pitchFamily="34" charset="-122"/>
+                <a:ea typeface="微软雅黑" panose="020B0503020204020204" pitchFamily="34" charset="-122"/>
+              </a:rPr>
+              <a:t>棱锥图形：突出重点，同时将其他要素并列</a:t>
+            </a:r>
+            <a:endParaRPr lang="en-US" altLang="zh-CN" dirty="0" smtClean="0">
+              <a:latin typeface="微软雅黑" panose="020B0503020204020204" pitchFamily="34" charset="-122"/>
+              <a:ea typeface="微软雅黑" panose="020B0503020204020204" pitchFamily="34" charset="-122"/>
+            </a:endParaRPr>
+          </a:p>
+          <a:p>
+            <a:endParaRPr lang="en-US" altLang="zh-CN" dirty="0">
+              <a:latin typeface="微软雅黑" panose="020B0503020204020204" pitchFamily="34" charset="-122"/>
+              <a:ea typeface="微软雅黑" panose="020B0503020204020204" pitchFamily="34" charset="-122"/>
+            </a:endParaRPr>
+          </a:p>
+          <a:p>
+            <a:r>
+              <a:rPr lang="zh-CN" altLang="en-US" dirty="0" smtClean="0">
+                <a:latin typeface="微软雅黑" panose="020B0503020204020204" pitchFamily="34" charset="-122"/>
+                <a:ea typeface="微软雅黑" panose="020B0503020204020204" pitchFamily="34" charset="-122"/>
+              </a:rPr>
+              <a:t>对于并列的要点，是否也可以可以其他图形？</a:t>
+            </a:r>
+            <a:endParaRPr lang="zh-CN" altLang="en-US" dirty="0">
+              <a:latin typeface="微软雅黑" panose="020B0503020204020204" pitchFamily="34" charset="-122"/>
+              <a:ea typeface="微软雅黑" panose="020B0503020204020204" pitchFamily="34" charset="-122"/>
+            </a:endParaRPr>
+          </a:p>
+        </p:txBody>
+      </p:sp>
+      <p:sp>
+        <p:nvSpPr>
+          <p:cNvPr id="10" name="线形标注 1(带强调线) 9"/>
+          <p:cNvSpPr/>
+          <p:nvPr/>
+        </p:nvSpPr>
+        <p:spPr>
+          <a:xfrm>
+            <a:off x="9975718" y="400879"/>
+            <a:ext cx="1781666" cy="1018383"/>
+          </a:xfrm>
+          <a:prstGeom prst="accentCallout1">
+            <a:avLst/>
+          </a:prstGeom>
+        </p:spPr>
+        <p:style>
+          <a:lnRef idx="2">
+            <a:schemeClr val="accent1">
+              <a:shade val="50000"/>
+            </a:schemeClr>
+          </a:lnRef>
+          <a:fillRef idx="1">
+            <a:schemeClr val="accent1"/>
+          </a:fillRef>
+          <a:effectRef idx="0">
+            <a:schemeClr val="accent1"/>
+          </a:effectRef>
+          <a:fontRef idx="minor">
+            <a:schemeClr val="lt1"/>
+          </a:fontRef>
+        </p:style>
+        <p:txBody>
+          <a:bodyPr rtlCol="0" anchor="ctr"/>
+          <a:lstStyle/>
+          <a:p>
+            <a:pPr algn="ctr"/>
+            <a:r>
+              <a:rPr lang="zh-CN" altLang="en-US" dirty="0" smtClean="0">
+                <a:latin typeface="微软雅黑" panose="020B0503020204020204" pitchFamily="34" charset="-122"/>
+                <a:ea typeface="微软雅黑" panose="020B0503020204020204" pitchFamily="34" charset="-122"/>
+              </a:rPr>
+              <a:t>案例来自：数澜科技白皮书</a:t>
+            </a:r>
+            <a:endParaRPr lang="zh-CN" altLang="en-US" dirty="0">
+              <a:latin typeface="微软雅黑" panose="020B0503020204020204" pitchFamily="34" charset="-122"/>
+              <a:ea typeface="微软雅黑" panose="020B0503020204020204" pitchFamily="34" charset="-122"/>
+            </a:endParaRPr>
+          </a:p>
+        </p:txBody>
+      </p:sp>
+    </p:spTree>
+    <p:extLst>
+      <p:ext uri="{BB962C8B-B14F-4D97-AF65-F5344CB8AC3E}">
+        <p14:creationId xmlns:p14="http://schemas.microsoft.com/office/powerpoint/2010/main" val="1599339993"/>
+      </p:ext>
+    </p:extLst>
+  </p:cSld>
+  <p:clrMapOvr>
+    <a:masterClrMapping/>
+  </p:clrMapOvr>
+  <p:timing>
+    <p:tnLst>
+      <p:par>
+        <p:cTn id="1" dur="indefinite" restart="never" nodeType="tmRoot"/>
+      </p:par>
+    </p:tnLst>
+  </p:timing>
+</p:sld>
+</file>
+
+<file path=ppt/slides/slide5.xml><?xml version="1.0" encoding="utf-8"?>
+<p:sld xmlns:a="http://schemas.openxmlformats.org/drawingml/2006/main" xmlns:r="http://schemas.openxmlformats.org/officeDocument/2006/relationships" xmlns:p="http://schemas.openxmlformats.org/presentationml/2006/main">
+  <p:cSld>
+    <p:spTree>
+      <p:nvGrpSpPr>
+        <p:cNvPr id="1" name=""/>
+        <p:cNvGrpSpPr/>
+        <p:nvPr/>
+      </p:nvGrpSpPr>
+      <p:grpSpPr>
+        <a:xfrm>
+          <a:off x="0" y="0"/>
+          <a:ext cx="0" cy="0"/>
+          <a:chOff x="0" y="0"/>
+          <a:chExt cx="0" cy="0"/>
+        </a:xfrm>
+      </p:grpSpPr>
+      <p:pic>
+        <p:nvPicPr>
           <p:cNvPr id="11" name="图片 10"/>
           <p:cNvPicPr>
             <a:picLocks noChangeAspect="1"/>
@@ -4681,7 +5677,7 @@
 </p:sld>
 </file>
 
-<file path=ppt/slides/slide5.xml><?xml version="1.0" encoding="utf-8"?>
+<file path=ppt/slides/slide6.xml><?xml version="1.0" encoding="utf-8"?>
 <p:sld xmlns:a="http://schemas.openxmlformats.org/drawingml/2006/main" xmlns:r="http://schemas.openxmlformats.org/officeDocument/2006/relationships" xmlns:p="http://schemas.openxmlformats.org/presentationml/2006/main">
   <p:cSld>
     <p:spTree>
@@ -5001,22 +5997,22 @@
         <a:srgbClr val="BFBFBF"/>
       </a:folHlink>
     </a:clrScheme>
-    <a:fontScheme name="Office">
+    <a:fontScheme name="Arial Black-Arial">
       <a:majorFont>
-        <a:latin typeface="Calibri Light" panose="020F0302020204030204"/>
+        <a:latin typeface="Arial Black" panose="020B0A04020102020204"/>
         <a:ea typeface=""/>
         <a:cs typeface=""/>
-        <a:font script="Jpan" typeface="ＭＳ Ｐゴシック"/>
-        <a:font script="Hang" typeface="맑은 고딕"/>
-        <a:font script="Hans" typeface="宋体"/>
-        <a:font script="Hant" typeface="新細明體"/>
-        <a:font script="Arab" typeface="Times New Roman"/>
-        <a:font script="Hebr" typeface="Times New Roman"/>
-        <a:font script="Thai" typeface="Angsana New"/>
+        <a:font script="Jpan" typeface="ＭＳ ゴシック"/>
+        <a:font script="Hang" typeface="굴림"/>
+        <a:font script="Hans" typeface="微软雅黑"/>
+        <a:font script="Hant" typeface="微軟正黑體"/>
+        <a:font script="Arab" typeface="Tahoma"/>
+        <a:font script="Hebr" typeface="Tahoma"/>
+        <a:font script="Thai" typeface="FreesiaUPC"/>
         <a:font script="Ethi" typeface="Nyala"/>
         <a:font script="Beng" typeface="Vrinda"/>
         <a:font script="Gujr" typeface="Shruti"/>
-        <a:font script="Khmr" typeface="MoolBoran"/>
+        <a:font script="Khmr" typeface="DaunPenh"/>
         <a:font script="Knda" typeface="Tunga"/>
         <a:font script="Guru" typeface="Raavi"/>
         <a:font script="Cans" typeface="Euphemia"/>
@@ -5033,18 +6029,18 @@
         <a:font script="Laoo" typeface="DokChampa"/>
         <a:font script="Sinh" typeface="Iskoola Pota"/>
         <a:font script="Mong" typeface="Mongolian Baiti"/>
-        <a:font script="Viet" typeface="Times New Roman"/>
+        <a:font script="Viet" typeface="Verdana"/>
         <a:font script="Uigh" typeface="Microsoft Uighur"/>
         <a:font script="Geor" typeface="Sylfaen"/>
       </a:majorFont>
       <a:minorFont>
-        <a:latin typeface="Calibri" panose="020F0502020204030204"/>
+        <a:latin typeface="Arial" panose="020B0604020202020204"/>
         <a:ea typeface=""/>
         <a:cs typeface=""/>
         <a:font script="Jpan" typeface="ＭＳ Ｐゴシック"/>
-        <a:font script="Hang" typeface="맑은 고딕"/>
-        <a:font script="Hans" typeface="宋体"/>
-        <a:font script="Hant" typeface="新細明體"/>
+        <a:font script="Hang" typeface="굴림"/>
+        <a:font script="Hans" typeface="黑体"/>
+        <a:font script="Hant" typeface="微軟正黑體"/>
         <a:font script="Arab" typeface="Arial"/>
         <a:font script="Hebr" typeface="Arial"/>
         <a:font script="Thai" typeface="Cordia New"/>

--- a/PPT/PPT范式收集.pptx
+++ b/PPT/PPT范式收集.pptx
@@ -10,7 +10,8 @@
     <p:sldId id="261" r:id="rId4"/>
     <p:sldId id="260" r:id="rId5"/>
     <p:sldId id="259" r:id="rId6"/>
-    <p:sldId id="258" r:id="rId7"/>
+    <p:sldId id="262" r:id="rId7"/>
+    <p:sldId id="258" r:id="rId8"/>
   </p:sldIdLst>
   <p:sldSz cx="12192000" cy="6858000"/>
   <p:notesSz cx="6858000" cy="9144000"/>
@@ -248,7 +249,7 @@
           <a:p>
             <a:fld id="{43D96350-D8F6-4D39-BE54-4D084BD2F247}" type="datetimeFigureOut">
               <a:rPr lang="zh-CN" altLang="en-US" smtClean="0"/>
-              <a:t>2021/5/26</a:t>
+              <a:t>2021/7/19</a:t>
             </a:fld>
             <a:endParaRPr lang="zh-CN" altLang="en-US"/>
           </a:p>
@@ -418,7 +419,7 @@
           <a:p>
             <a:fld id="{43D96350-D8F6-4D39-BE54-4D084BD2F247}" type="datetimeFigureOut">
               <a:rPr lang="zh-CN" altLang="en-US" smtClean="0"/>
-              <a:t>2021/5/26</a:t>
+              <a:t>2021/7/19</a:t>
             </a:fld>
             <a:endParaRPr lang="zh-CN" altLang="en-US"/>
           </a:p>
@@ -598,7 +599,7 @@
           <a:p>
             <a:fld id="{43D96350-D8F6-4D39-BE54-4D084BD2F247}" type="datetimeFigureOut">
               <a:rPr lang="zh-CN" altLang="en-US" smtClean="0"/>
-              <a:t>2021/5/26</a:t>
+              <a:t>2021/7/19</a:t>
             </a:fld>
             <a:endParaRPr lang="zh-CN" altLang="en-US"/>
           </a:p>
@@ -768,7 +769,7 @@
           <a:p>
             <a:fld id="{43D96350-D8F6-4D39-BE54-4D084BD2F247}" type="datetimeFigureOut">
               <a:rPr lang="zh-CN" altLang="en-US" smtClean="0"/>
-              <a:t>2021/5/26</a:t>
+              <a:t>2021/7/19</a:t>
             </a:fld>
             <a:endParaRPr lang="zh-CN" altLang="en-US"/>
           </a:p>
@@ -1060,7 +1061,7 @@
           <a:p>
             <a:fld id="{43D96350-D8F6-4D39-BE54-4D084BD2F247}" type="datetimeFigureOut">
               <a:rPr lang="zh-CN" altLang="en-US" smtClean="0"/>
-              <a:t>2021/5/26</a:t>
+              <a:t>2021/7/19</a:t>
             </a:fld>
             <a:endParaRPr lang="zh-CN" altLang="en-US"/>
           </a:p>
@@ -1292,7 +1293,7 @@
           <a:p>
             <a:fld id="{43D96350-D8F6-4D39-BE54-4D084BD2F247}" type="datetimeFigureOut">
               <a:rPr lang="zh-CN" altLang="en-US" smtClean="0"/>
-              <a:t>2021/5/26</a:t>
+              <a:t>2021/7/19</a:t>
             </a:fld>
             <a:endParaRPr lang="zh-CN" altLang="en-US"/>
           </a:p>
@@ -1659,7 +1660,7 @@
           <a:p>
             <a:fld id="{43D96350-D8F6-4D39-BE54-4D084BD2F247}" type="datetimeFigureOut">
               <a:rPr lang="zh-CN" altLang="en-US" smtClean="0"/>
-              <a:t>2021/5/26</a:t>
+              <a:t>2021/7/19</a:t>
             </a:fld>
             <a:endParaRPr lang="zh-CN" altLang="en-US"/>
           </a:p>
@@ -1777,7 +1778,7 @@
           <a:p>
             <a:fld id="{43D96350-D8F6-4D39-BE54-4D084BD2F247}" type="datetimeFigureOut">
               <a:rPr lang="zh-CN" altLang="en-US" smtClean="0"/>
-              <a:t>2021/5/26</a:t>
+              <a:t>2021/7/19</a:t>
             </a:fld>
             <a:endParaRPr lang="zh-CN" altLang="en-US"/>
           </a:p>
@@ -1872,7 +1873,7 @@
           <a:p>
             <a:fld id="{43D96350-D8F6-4D39-BE54-4D084BD2F247}" type="datetimeFigureOut">
               <a:rPr lang="zh-CN" altLang="en-US" smtClean="0"/>
-              <a:t>2021/5/26</a:t>
+              <a:t>2021/7/19</a:t>
             </a:fld>
             <a:endParaRPr lang="zh-CN" altLang="en-US"/>
           </a:p>
@@ -2149,7 +2150,7 @@
           <a:p>
             <a:fld id="{43D96350-D8F6-4D39-BE54-4D084BD2F247}" type="datetimeFigureOut">
               <a:rPr lang="zh-CN" altLang="en-US" smtClean="0"/>
-              <a:t>2021/5/26</a:t>
+              <a:t>2021/7/19</a:t>
             </a:fld>
             <a:endParaRPr lang="zh-CN" altLang="en-US"/>
           </a:p>
@@ -2402,7 +2403,7 @@
           <a:p>
             <a:fld id="{43D96350-D8F6-4D39-BE54-4D084BD2F247}" type="datetimeFigureOut">
               <a:rPr lang="zh-CN" altLang="en-US" smtClean="0"/>
-              <a:t>2021/5/26</a:t>
+              <a:t>2021/7/19</a:t>
             </a:fld>
             <a:endParaRPr lang="zh-CN" altLang="en-US"/>
           </a:p>
@@ -2615,7 +2616,7 @@
           <a:p>
             <a:fld id="{43D96350-D8F6-4D39-BE54-4D084BD2F247}" type="datetimeFigureOut">
               <a:rPr lang="zh-CN" altLang="en-US" smtClean="0"/>
-              <a:t>2021/5/26</a:t>
+              <a:t>2021/7/19</a:t>
             </a:fld>
             <a:endParaRPr lang="zh-CN" altLang="en-US"/>
           </a:p>
@@ -5678,6 +5679,1025 @@
 </file>
 
 <file path=ppt/slides/slide6.xml><?xml version="1.0" encoding="utf-8"?>
+<p:sld xmlns:a="http://schemas.openxmlformats.org/drawingml/2006/main" xmlns:r="http://schemas.openxmlformats.org/officeDocument/2006/relationships" xmlns:p="http://schemas.openxmlformats.org/presentationml/2006/main">
+  <p:cSld>
+    <p:spTree>
+      <p:nvGrpSpPr>
+        <p:cNvPr id="1" name=""/>
+        <p:cNvGrpSpPr/>
+        <p:nvPr/>
+      </p:nvGrpSpPr>
+      <p:grpSpPr>
+        <a:xfrm>
+          <a:off x="0" y="0"/>
+          <a:ext cx="0" cy="0"/>
+          <a:chOff x="0" y="0"/>
+          <a:chExt cx="0" cy="0"/>
+        </a:xfrm>
+      </p:grpSpPr>
+      <p:sp>
+        <p:nvSpPr>
+          <p:cNvPr id="5" name="文本框 4"/>
+          <p:cNvSpPr txBox="1"/>
+          <p:nvPr/>
+        </p:nvSpPr>
+        <p:spPr>
+          <a:xfrm>
+            <a:off x="367646" y="320511"/>
+            <a:ext cx="5297864" cy="523220"/>
+          </a:xfrm>
+          <a:prstGeom prst="rect">
+            <a:avLst/>
+          </a:prstGeom>
+          <a:noFill/>
+        </p:spPr>
+        <p:txBody>
+          <a:bodyPr wrap="square" rtlCol="0">
+            <a:spAutoFit/>
+          </a:bodyPr>
+          <a:lstStyle/>
+          <a:p>
+            <a:r>
+              <a:rPr lang="zh-CN" altLang="en-US" sz="2800" dirty="0">
+                <a:solidFill>
+                  <a:schemeClr val="accent1"/>
+                </a:solidFill>
+                <a:latin typeface="微软雅黑" panose="020B0503020204020204" pitchFamily="34" charset="-122"/>
+                <a:ea typeface="微软雅黑" panose="020B0503020204020204" pitchFamily="34" charset="-122"/>
+              </a:rPr>
+              <a:t>并列的要点转为图形</a:t>
+            </a:r>
+            <a:r>
+              <a:rPr lang="en-US" altLang="zh-CN" sz="2800" dirty="0">
+                <a:solidFill>
+                  <a:schemeClr val="accent1"/>
+                </a:solidFill>
+                <a:latin typeface="微软雅黑" panose="020B0503020204020204" pitchFamily="34" charset="-122"/>
+                <a:ea typeface="微软雅黑" panose="020B0503020204020204" pitchFamily="34" charset="-122"/>
+              </a:rPr>
+              <a:t>-</a:t>
+            </a:r>
+            <a:r>
+              <a:rPr lang="zh-CN" altLang="en-US" sz="2800" dirty="0" smtClean="0">
+                <a:solidFill>
+                  <a:schemeClr val="accent1"/>
+                </a:solidFill>
+                <a:latin typeface="微软雅黑" panose="020B0503020204020204" pitchFamily="34" charset="-122"/>
+                <a:ea typeface="微软雅黑" panose="020B0503020204020204" pitchFamily="34" charset="-122"/>
+              </a:rPr>
+              <a:t>示例</a:t>
+            </a:r>
+            <a:r>
+              <a:rPr lang="en-US" altLang="zh-CN" sz="2800" dirty="0" smtClean="0">
+                <a:solidFill>
+                  <a:schemeClr val="accent1"/>
+                </a:solidFill>
+                <a:latin typeface="微软雅黑" panose="020B0503020204020204" pitchFamily="34" charset="-122"/>
+                <a:ea typeface="微软雅黑" panose="020B0503020204020204" pitchFamily="34" charset="-122"/>
+              </a:rPr>
+              <a:t>3</a:t>
+            </a:r>
+            <a:endParaRPr lang="zh-CN" altLang="en-US" sz="2800" dirty="0">
+              <a:solidFill>
+                <a:schemeClr val="accent1"/>
+              </a:solidFill>
+              <a:latin typeface="微软雅黑" panose="020B0503020204020204" pitchFamily="34" charset="-122"/>
+              <a:ea typeface="微软雅黑" panose="020B0503020204020204" pitchFamily="34" charset="-122"/>
+            </a:endParaRPr>
+          </a:p>
+        </p:txBody>
+      </p:sp>
+      <p:sp>
+        <p:nvSpPr>
+          <p:cNvPr id="11" name="object 5"/>
+          <p:cNvSpPr/>
+          <p:nvPr/>
+        </p:nvSpPr>
+        <p:spPr>
+          <a:xfrm>
+            <a:off x="1823689" y="3692793"/>
+            <a:ext cx="0" cy="476819"/>
+          </a:xfrm>
+          <a:custGeom>
+            <a:avLst/>
+            <a:gdLst/>
+            <a:ahLst/>
+            <a:cxnLst/>
+            <a:rect l="l" t="t" r="r" b="b"/>
+            <a:pathLst>
+              <a:path h="452120">
+                <a:moveTo>
+                  <a:pt x="0" y="0"/>
+                </a:moveTo>
+                <a:lnTo>
+                  <a:pt x="0" y="452119"/>
+                </a:lnTo>
+              </a:path>
+            </a:pathLst>
+          </a:custGeom>
+          <a:ln w="25401">
+            <a:solidFill>
+              <a:srgbClr val="A6A6A6"/>
+            </a:solidFill>
+          </a:ln>
+        </p:spPr>
+        <p:txBody>
+          <a:bodyPr wrap="square" lIns="0" tIns="0" rIns="0" bIns="0" rtlCol="0"/>
+          <a:lstStyle/>
+          <a:p>
+            <a:endParaRPr>
+              <a:latin typeface="黑体-简" panose="02000000000000000000" charset="-122"/>
+              <a:ea typeface="黑体-简" panose="02000000000000000000" charset="-122"/>
+              <a:cs typeface="黑体-简" panose="02000000000000000000" charset="-122"/>
+            </a:endParaRPr>
+          </a:p>
+        </p:txBody>
+      </p:sp>
+      <p:sp>
+        <p:nvSpPr>
+          <p:cNvPr id="12" name="object 6"/>
+          <p:cNvSpPr/>
+          <p:nvPr/>
+        </p:nvSpPr>
+        <p:spPr>
+          <a:xfrm>
+            <a:off x="3541195" y="3400139"/>
+            <a:ext cx="0" cy="422574"/>
+          </a:xfrm>
+          <a:custGeom>
+            <a:avLst/>
+            <a:gdLst/>
+            <a:ahLst/>
+            <a:cxnLst/>
+            <a:rect l="l" t="t" r="r" b="b"/>
+            <a:pathLst>
+              <a:path h="400685">
+                <a:moveTo>
+                  <a:pt x="0" y="0"/>
+                </a:moveTo>
+                <a:lnTo>
+                  <a:pt x="0" y="400684"/>
+                </a:lnTo>
+              </a:path>
+            </a:pathLst>
+          </a:custGeom>
+          <a:ln w="25401">
+            <a:solidFill>
+              <a:srgbClr val="A6A6A6"/>
+            </a:solidFill>
+          </a:ln>
+        </p:spPr>
+        <p:txBody>
+          <a:bodyPr wrap="square" lIns="0" tIns="0" rIns="0" bIns="0" rtlCol="0"/>
+          <a:lstStyle/>
+          <a:p>
+            <a:endParaRPr>
+              <a:latin typeface="黑体-简" panose="02000000000000000000" charset="-122"/>
+              <a:ea typeface="黑体-简" panose="02000000000000000000" charset="-122"/>
+              <a:cs typeface="黑体-简" panose="02000000000000000000" charset="-122"/>
+            </a:endParaRPr>
+          </a:p>
+        </p:txBody>
+      </p:sp>
+      <p:sp>
+        <p:nvSpPr>
+          <p:cNvPr id="13" name="object 7"/>
+          <p:cNvSpPr/>
+          <p:nvPr/>
+        </p:nvSpPr>
+        <p:spPr>
+          <a:xfrm>
+            <a:off x="5257748" y="3051900"/>
+            <a:ext cx="0" cy="424583"/>
+          </a:xfrm>
+          <a:custGeom>
+            <a:avLst/>
+            <a:gdLst/>
+            <a:ahLst/>
+            <a:cxnLst/>
+            <a:rect l="l" t="t" r="r" b="b"/>
+            <a:pathLst>
+              <a:path h="402589">
+                <a:moveTo>
+                  <a:pt x="0" y="0"/>
+                </a:moveTo>
+                <a:lnTo>
+                  <a:pt x="0" y="402589"/>
+                </a:lnTo>
+              </a:path>
+            </a:pathLst>
+          </a:custGeom>
+          <a:ln w="25401">
+            <a:solidFill>
+              <a:srgbClr val="A6A6A6"/>
+            </a:solidFill>
+          </a:ln>
+        </p:spPr>
+        <p:txBody>
+          <a:bodyPr wrap="square" lIns="0" tIns="0" rIns="0" bIns="0" rtlCol="0"/>
+          <a:lstStyle/>
+          <a:p>
+            <a:endParaRPr>
+              <a:latin typeface="黑体-简" panose="02000000000000000000" charset="-122"/>
+              <a:ea typeface="黑体-简" panose="02000000000000000000" charset="-122"/>
+              <a:cs typeface="黑体-简" panose="02000000000000000000" charset="-122"/>
+            </a:endParaRPr>
+          </a:p>
+        </p:txBody>
+      </p:sp>
+      <p:sp>
+        <p:nvSpPr>
+          <p:cNvPr id="14" name="object 8"/>
+          <p:cNvSpPr/>
+          <p:nvPr/>
+        </p:nvSpPr>
+        <p:spPr>
+          <a:xfrm>
+            <a:off x="6985726" y="2690268"/>
+            <a:ext cx="0" cy="439315"/>
+          </a:xfrm>
+          <a:custGeom>
+            <a:avLst/>
+            <a:gdLst/>
+            <a:ahLst/>
+            <a:cxnLst/>
+            <a:rect l="l" t="t" r="r" b="b"/>
+            <a:pathLst>
+              <a:path h="416560">
+                <a:moveTo>
+                  <a:pt x="0" y="0"/>
+                </a:moveTo>
+                <a:lnTo>
+                  <a:pt x="0" y="416559"/>
+                </a:lnTo>
+              </a:path>
+            </a:pathLst>
+          </a:custGeom>
+          <a:ln w="25401">
+            <a:solidFill>
+              <a:srgbClr val="A6A6A6"/>
+            </a:solidFill>
+          </a:ln>
+        </p:spPr>
+        <p:txBody>
+          <a:bodyPr wrap="square" lIns="0" tIns="0" rIns="0" bIns="0" rtlCol="0"/>
+          <a:lstStyle/>
+          <a:p>
+            <a:endParaRPr>
+              <a:latin typeface="黑体-简" panose="02000000000000000000" charset="-122"/>
+              <a:ea typeface="黑体-简" panose="02000000000000000000" charset="-122"/>
+              <a:cs typeface="黑体-简" panose="02000000000000000000" charset="-122"/>
+            </a:endParaRPr>
+          </a:p>
+        </p:txBody>
+      </p:sp>
+      <p:sp>
+        <p:nvSpPr>
+          <p:cNvPr id="15" name="object 9"/>
+          <p:cNvSpPr txBox="1"/>
+          <p:nvPr/>
+        </p:nvSpPr>
+        <p:spPr>
+          <a:xfrm>
+            <a:off x="986832" y="4169613"/>
+            <a:ext cx="1701682" cy="278765"/>
+          </a:xfrm>
+          <a:prstGeom prst="rect">
+            <a:avLst/>
+          </a:prstGeom>
+          <a:solidFill>
+            <a:schemeClr val="accent1"/>
+          </a:solidFill>
+        </p:spPr>
+        <p:txBody>
+          <a:bodyPr vert="horz" wrap="square" lIns="0" tIns="51566" rIns="0" bIns="0" rtlCol="0">
+            <a:spAutoFit/>
+          </a:bodyPr>
+          <a:lstStyle/>
+          <a:p>
+            <a:pPr marL="488950">
+              <a:spcBef>
+                <a:spcPts val="405"/>
+              </a:spcBef>
+            </a:pPr>
+            <a:r>
+              <a:rPr sz="1475" spc="-53" dirty="0">
+                <a:solidFill>
+                  <a:srgbClr val="FFFFFF"/>
+                </a:solidFill>
+                <a:latin typeface="黑体-简" panose="02000000000000000000" charset="-122"/>
+                <a:ea typeface="黑体-简" panose="02000000000000000000" charset="-122"/>
+                <a:cs typeface="黑体-简" panose="02000000000000000000" charset="-122"/>
+              </a:rPr>
+              <a:t>数据功能</a:t>
+            </a:r>
+            <a:endParaRPr sz="1475">
+              <a:latin typeface="黑体-简" panose="02000000000000000000" charset="-122"/>
+              <a:ea typeface="黑体-简" panose="02000000000000000000" charset="-122"/>
+              <a:cs typeface="黑体-简" panose="02000000000000000000" charset="-122"/>
+            </a:endParaRPr>
+          </a:p>
+        </p:txBody>
+      </p:sp>
+      <p:sp>
+        <p:nvSpPr>
+          <p:cNvPr id="16" name="object 10"/>
+          <p:cNvSpPr txBox="1"/>
+          <p:nvPr/>
+        </p:nvSpPr>
+        <p:spPr>
+          <a:xfrm>
+            <a:off x="2688155" y="3823383"/>
+            <a:ext cx="1701682" cy="278130"/>
+          </a:xfrm>
+          <a:prstGeom prst="rect">
+            <a:avLst/>
+          </a:prstGeom>
+          <a:solidFill>
+            <a:srgbClr val="7030A0"/>
+          </a:solidFill>
+        </p:spPr>
+        <p:txBody>
+          <a:bodyPr vert="horz" wrap="square" lIns="0" tIns="50896" rIns="0" bIns="0" rtlCol="0">
+            <a:spAutoFit/>
+          </a:bodyPr>
+          <a:lstStyle/>
+          <a:p>
+            <a:pPr marL="488950">
+              <a:spcBef>
+                <a:spcPts val="400"/>
+              </a:spcBef>
+            </a:pPr>
+            <a:r>
+              <a:rPr sz="1475" spc="-53" dirty="0">
+                <a:solidFill>
+                  <a:srgbClr val="FFFFFF"/>
+                </a:solidFill>
+                <a:latin typeface="黑体-简" panose="02000000000000000000" charset="-122"/>
+                <a:ea typeface="黑体-简" panose="02000000000000000000" charset="-122"/>
+                <a:cs typeface="黑体-简" panose="02000000000000000000" charset="-122"/>
+              </a:rPr>
+              <a:t>数据平台</a:t>
+            </a:r>
+            <a:endParaRPr sz="1475">
+              <a:latin typeface="黑体-简" panose="02000000000000000000" charset="-122"/>
+              <a:ea typeface="黑体-简" panose="02000000000000000000" charset="-122"/>
+              <a:cs typeface="黑体-简" panose="02000000000000000000" charset="-122"/>
+            </a:endParaRPr>
+          </a:p>
+        </p:txBody>
+      </p:sp>
+      <p:sp>
+        <p:nvSpPr>
+          <p:cNvPr id="17" name="object 11"/>
+          <p:cNvSpPr txBox="1"/>
+          <p:nvPr/>
+        </p:nvSpPr>
+        <p:spPr>
+          <a:xfrm>
+            <a:off x="4389475" y="3476484"/>
+            <a:ext cx="1701682" cy="277495"/>
+          </a:xfrm>
+          <a:prstGeom prst="rect">
+            <a:avLst/>
+          </a:prstGeom>
+          <a:solidFill>
+            <a:srgbClr val="0C86B6"/>
+          </a:solidFill>
+        </p:spPr>
+        <p:txBody>
+          <a:bodyPr vert="horz" wrap="square" lIns="0" tIns="50227" rIns="0" bIns="0" rtlCol="0">
+            <a:spAutoFit/>
+          </a:bodyPr>
+          <a:lstStyle/>
+          <a:p>
+            <a:pPr marL="488950">
+              <a:spcBef>
+                <a:spcPts val="395"/>
+              </a:spcBef>
+            </a:pPr>
+            <a:r>
+              <a:rPr sz="1475" spc="-53" dirty="0">
+                <a:solidFill>
+                  <a:srgbClr val="FFFFFF"/>
+                </a:solidFill>
+                <a:latin typeface="黑体-简" panose="02000000000000000000" charset="-122"/>
+                <a:ea typeface="黑体-简" panose="02000000000000000000" charset="-122"/>
+                <a:cs typeface="黑体-简" panose="02000000000000000000" charset="-122"/>
+              </a:rPr>
+              <a:t>数据中台</a:t>
+            </a:r>
+            <a:endParaRPr sz="1475">
+              <a:latin typeface="黑体-简" panose="02000000000000000000" charset="-122"/>
+              <a:ea typeface="黑体-简" panose="02000000000000000000" charset="-122"/>
+              <a:cs typeface="黑体-简" panose="02000000000000000000" charset="-122"/>
+            </a:endParaRPr>
+          </a:p>
+        </p:txBody>
+      </p:sp>
+      <p:sp>
+        <p:nvSpPr>
+          <p:cNvPr id="18" name="object 12"/>
+          <p:cNvSpPr txBox="1"/>
+          <p:nvPr/>
+        </p:nvSpPr>
+        <p:spPr>
+          <a:xfrm>
+            <a:off x="6090794" y="3129585"/>
+            <a:ext cx="1701012" cy="277495"/>
+          </a:xfrm>
+          <a:prstGeom prst="rect">
+            <a:avLst/>
+          </a:prstGeom>
+          <a:solidFill>
+            <a:srgbClr val="1EC8F3"/>
+          </a:solidFill>
+        </p:spPr>
+        <p:txBody>
+          <a:bodyPr vert="horz" wrap="square" lIns="0" tIns="50227" rIns="0" bIns="0" rtlCol="0">
+            <a:spAutoFit/>
+          </a:bodyPr>
+          <a:lstStyle/>
+          <a:p>
+            <a:pPr marL="487680">
+              <a:spcBef>
+                <a:spcPts val="395"/>
+              </a:spcBef>
+            </a:pPr>
+            <a:r>
+              <a:rPr sz="1475" spc="-53" dirty="0">
+                <a:solidFill>
+                  <a:srgbClr val="FFFFFF"/>
+                </a:solidFill>
+                <a:latin typeface="黑体-简" panose="02000000000000000000" charset="-122"/>
+                <a:ea typeface="黑体-简" panose="02000000000000000000" charset="-122"/>
+                <a:cs typeface="黑体-简" panose="02000000000000000000" charset="-122"/>
+              </a:rPr>
+              <a:t>数据智能</a:t>
+            </a:r>
+            <a:endParaRPr sz="1475">
+              <a:latin typeface="黑体-简" panose="02000000000000000000" charset="-122"/>
+              <a:ea typeface="黑体-简" panose="02000000000000000000" charset="-122"/>
+              <a:cs typeface="黑体-简" panose="02000000000000000000" charset="-122"/>
+            </a:endParaRPr>
+          </a:p>
+        </p:txBody>
+      </p:sp>
+      <p:sp>
+        <p:nvSpPr>
+          <p:cNvPr id="19" name="object 13"/>
+          <p:cNvSpPr/>
+          <p:nvPr/>
+        </p:nvSpPr>
+        <p:spPr>
+          <a:xfrm>
+            <a:off x="6080322" y="3476484"/>
+            <a:ext cx="479497" cy="346899"/>
+          </a:xfrm>
+          <a:custGeom>
+            <a:avLst/>
+            <a:gdLst/>
+            <a:ahLst/>
+            <a:cxnLst/>
+            <a:rect l="l" t="t" r="r" b="b"/>
+            <a:pathLst>
+              <a:path w="454659" h="328929">
+                <a:moveTo>
+                  <a:pt x="454077" y="0"/>
+                </a:moveTo>
+                <a:lnTo>
+                  <a:pt x="0" y="0"/>
+                </a:lnTo>
+                <a:lnTo>
+                  <a:pt x="0" y="328930"/>
+                </a:lnTo>
+                <a:lnTo>
+                  <a:pt x="454077" y="0"/>
+                </a:lnTo>
+                <a:close/>
+              </a:path>
+            </a:pathLst>
+          </a:custGeom>
+          <a:solidFill>
+            <a:srgbClr val="0C86B6"/>
+          </a:solidFill>
+        </p:spPr>
+        <p:txBody>
+          <a:bodyPr wrap="square" lIns="0" tIns="0" rIns="0" bIns="0" rtlCol="0"/>
+          <a:lstStyle/>
+          <a:p>
+            <a:endParaRPr>
+              <a:latin typeface="黑体-简" panose="02000000000000000000" charset="-122"/>
+              <a:ea typeface="黑体-简" panose="02000000000000000000" charset="-122"/>
+              <a:cs typeface="黑体-简" panose="02000000000000000000" charset="-122"/>
+            </a:endParaRPr>
+          </a:p>
+        </p:txBody>
+      </p:sp>
+      <p:sp>
+        <p:nvSpPr>
+          <p:cNvPr id="20" name="object 14"/>
+          <p:cNvSpPr txBox="1"/>
+          <p:nvPr/>
+        </p:nvSpPr>
+        <p:spPr>
+          <a:xfrm>
+            <a:off x="4389474" y="3822714"/>
+            <a:ext cx="479497" cy="327660"/>
+          </a:xfrm>
+          <a:custGeom>
+            <a:avLst/>
+            <a:gdLst/>
+            <a:ahLst/>
+            <a:cxnLst/>
+            <a:rect l="l" t="t" r="r" b="b"/>
+            <a:pathLst>
+              <a:path w="454660" h="328929">
+                <a:moveTo>
+                  <a:pt x="454077" y="0"/>
+                </a:moveTo>
+                <a:lnTo>
+                  <a:pt x="0" y="0"/>
+                </a:lnTo>
+                <a:lnTo>
+                  <a:pt x="0" y="328929"/>
+                </a:lnTo>
+                <a:lnTo>
+                  <a:pt x="454077" y="0"/>
+                </a:lnTo>
+                <a:close/>
+              </a:path>
+            </a:pathLst>
+          </a:custGeom>
+          <a:solidFill>
+            <a:srgbClr val="7030A0"/>
+          </a:solidFill>
+        </p:spPr>
+        <p:txBody>
+          <a:bodyPr vert="horz" wrap="square" lIns="0" tIns="50896" rIns="0" bIns="0" rtlCol="0">
+            <a:spAutoFit/>
+          </a:bodyPr>
+          <a:lstStyle/>
+          <a:p>
+            <a:pPr marL="488950" lvl="0" algn="l">
+              <a:spcBef>
+                <a:spcPts val="400"/>
+              </a:spcBef>
+            </a:pPr>
+            <a:endParaRPr sz="1475" spc="-53" dirty="0">
+              <a:solidFill>
+                <a:srgbClr val="FFFFFF"/>
+              </a:solidFill>
+              <a:latin typeface="黑体-简" panose="02000000000000000000" charset="-122"/>
+              <a:ea typeface="黑体-简" panose="02000000000000000000" charset="-122"/>
+              <a:cs typeface="黑体-简" panose="02000000000000000000" charset="-122"/>
+              <a:sym typeface="+mn-ea"/>
+            </a:endParaRPr>
+          </a:p>
+        </p:txBody>
+      </p:sp>
+      <p:sp>
+        <p:nvSpPr>
+          <p:cNvPr id="21" name="object 15"/>
+          <p:cNvSpPr/>
+          <p:nvPr/>
+        </p:nvSpPr>
+        <p:spPr>
+          <a:xfrm>
+            <a:off x="2688155" y="4169613"/>
+            <a:ext cx="479497" cy="346899"/>
+          </a:xfrm>
+          <a:custGeom>
+            <a:avLst/>
+            <a:gdLst/>
+            <a:ahLst/>
+            <a:cxnLst/>
+            <a:rect l="l" t="t" r="r" b="b"/>
+            <a:pathLst>
+              <a:path w="454660" h="328929">
+                <a:moveTo>
+                  <a:pt x="454077" y="0"/>
+                </a:moveTo>
+                <a:lnTo>
+                  <a:pt x="0" y="0"/>
+                </a:lnTo>
+                <a:lnTo>
+                  <a:pt x="0" y="328930"/>
+                </a:lnTo>
+                <a:lnTo>
+                  <a:pt x="454077" y="0"/>
+                </a:lnTo>
+                <a:close/>
+              </a:path>
+            </a:pathLst>
+          </a:custGeom>
+          <a:solidFill>
+            <a:srgbClr val="5B9BD5"/>
+          </a:solidFill>
+        </p:spPr>
+        <p:txBody>
+          <a:bodyPr wrap="square" lIns="0" tIns="0" rIns="0" bIns="0" rtlCol="0"/>
+          <a:lstStyle/>
+          <a:p>
+            <a:endParaRPr>
+              <a:latin typeface="黑体-简" panose="02000000000000000000" charset="-122"/>
+              <a:ea typeface="黑体-简" panose="02000000000000000000" charset="-122"/>
+              <a:cs typeface="黑体-简" panose="02000000000000000000" charset="-122"/>
+            </a:endParaRPr>
+          </a:p>
+        </p:txBody>
+      </p:sp>
+      <p:sp>
+        <p:nvSpPr>
+          <p:cNvPr id="22" name="object 16"/>
+          <p:cNvSpPr txBox="1"/>
+          <p:nvPr/>
+        </p:nvSpPr>
+        <p:spPr>
+          <a:xfrm>
+            <a:off x="1069875" y="2950108"/>
+            <a:ext cx="455389" cy="272415"/>
+          </a:xfrm>
+          <a:prstGeom prst="rect">
+            <a:avLst/>
+          </a:prstGeom>
+        </p:spPr>
+        <p:txBody>
+          <a:bodyPr vert="horz" wrap="square" lIns="0" tIns="13394" rIns="0" bIns="0" rtlCol="0">
+            <a:spAutoFit/>
+          </a:bodyPr>
+          <a:lstStyle/>
+          <a:p>
+            <a:pPr marL="13335">
+              <a:spcBef>
+                <a:spcPts val="105"/>
+              </a:spcBef>
+            </a:pPr>
+            <a:r>
+              <a:rPr sz="1685" b="1" dirty="0">
+                <a:solidFill>
+                  <a:srgbClr val="5B9BD5"/>
+                </a:solidFill>
+                <a:latin typeface="黑体-简" panose="02000000000000000000" charset="-122"/>
+                <a:ea typeface="黑体-简" panose="02000000000000000000" charset="-122"/>
+                <a:cs typeface="黑体-简" panose="02000000000000000000" charset="-122"/>
+              </a:rPr>
+              <a:t>可用</a:t>
+            </a:r>
+          </a:p>
+        </p:txBody>
+      </p:sp>
+      <p:sp>
+        <p:nvSpPr>
+          <p:cNvPr id="23" name="object 17"/>
+          <p:cNvSpPr txBox="1"/>
+          <p:nvPr/>
+        </p:nvSpPr>
+        <p:spPr>
+          <a:xfrm>
+            <a:off x="1069874" y="3219055"/>
+            <a:ext cx="1473318" cy="394970"/>
+          </a:xfrm>
+          <a:prstGeom prst="rect">
+            <a:avLst/>
+          </a:prstGeom>
+        </p:spPr>
+        <p:txBody>
+          <a:bodyPr vert="horz" wrap="square" lIns="0" tIns="13394" rIns="0" bIns="0" rtlCol="0">
+            <a:spAutoFit/>
+          </a:bodyPr>
+          <a:lstStyle/>
+          <a:p>
+            <a:pPr marL="13335">
+              <a:lnSpc>
+                <a:spcPts val="1490"/>
+              </a:lnSpc>
+              <a:spcBef>
+                <a:spcPts val="105"/>
+              </a:spcBef>
+            </a:pPr>
+            <a:r>
+              <a:rPr sz="1265" dirty="0">
+                <a:solidFill>
+                  <a:srgbClr val="7F7F7F"/>
+                </a:solidFill>
+                <a:latin typeface="黑体-简" panose="02000000000000000000" charset="-122"/>
+                <a:ea typeface="黑体-简" panose="02000000000000000000" charset="-122"/>
+                <a:cs typeface="黑体-简" panose="02000000000000000000" charset="-122"/>
+              </a:rPr>
+              <a:t>提供基本数据存储、</a:t>
+            </a:r>
+            <a:endParaRPr sz="1265">
+              <a:latin typeface="黑体-简" panose="02000000000000000000" charset="-122"/>
+              <a:ea typeface="黑体-简" panose="02000000000000000000" charset="-122"/>
+              <a:cs typeface="黑体-简" panose="02000000000000000000" charset="-122"/>
+            </a:endParaRPr>
+          </a:p>
+          <a:p>
+            <a:pPr marL="13335">
+              <a:lnSpc>
+                <a:spcPts val="1490"/>
+              </a:lnSpc>
+            </a:pPr>
+            <a:r>
+              <a:rPr sz="1265" dirty="0">
+                <a:solidFill>
+                  <a:srgbClr val="7F7F7F"/>
+                </a:solidFill>
+                <a:latin typeface="黑体-简" panose="02000000000000000000" charset="-122"/>
+                <a:ea typeface="黑体-简" panose="02000000000000000000" charset="-122"/>
+                <a:cs typeface="黑体-简" panose="02000000000000000000" charset="-122"/>
+              </a:rPr>
+              <a:t>管理运维能力</a:t>
+            </a:r>
+            <a:endParaRPr sz="1265">
+              <a:latin typeface="黑体-简" panose="02000000000000000000" charset="-122"/>
+              <a:ea typeface="黑体-简" panose="02000000000000000000" charset="-122"/>
+              <a:cs typeface="黑体-简" panose="02000000000000000000" charset="-122"/>
+            </a:endParaRPr>
+          </a:p>
+        </p:txBody>
+      </p:sp>
+      <p:sp>
+        <p:nvSpPr>
+          <p:cNvPr id="24" name="object 18"/>
+          <p:cNvSpPr txBox="1"/>
+          <p:nvPr/>
+        </p:nvSpPr>
+        <p:spPr>
+          <a:xfrm>
+            <a:off x="2773565" y="2459358"/>
+            <a:ext cx="1473318" cy="833120"/>
+          </a:xfrm>
+          <a:prstGeom prst="rect">
+            <a:avLst/>
+          </a:prstGeom>
+        </p:spPr>
+        <p:txBody>
+          <a:bodyPr vert="horz" wrap="square" lIns="0" tIns="13394" rIns="0" bIns="0" rtlCol="0">
+            <a:spAutoFit/>
+          </a:bodyPr>
+          <a:lstStyle/>
+          <a:p>
+            <a:pPr marL="13335">
+              <a:spcBef>
+                <a:spcPts val="105"/>
+              </a:spcBef>
+            </a:pPr>
+            <a:r>
+              <a:rPr sz="1475" b="1" dirty="0">
+                <a:solidFill>
+                  <a:srgbClr val="7030A0"/>
+                </a:solidFill>
+                <a:latin typeface="黑体-简" panose="02000000000000000000" charset="-122"/>
+                <a:ea typeface="黑体-简" panose="02000000000000000000" charset="-122"/>
+                <a:cs typeface="黑体-简" panose="02000000000000000000" charset="-122"/>
+              </a:rPr>
+              <a:t>能用</a:t>
+            </a:r>
+            <a:endParaRPr sz="1475">
+              <a:latin typeface="黑体-简" panose="02000000000000000000" charset="-122"/>
+              <a:ea typeface="黑体-简" panose="02000000000000000000" charset="-122"/>
+              <a:cs typeface="黑体-简" panose="02000000000000000000" charset="-122"/>
+            </a:endParaRPr>
+          </a:p>
+          <a:p>
+            <a:pPr marL="13335">
+              <a:spcBef>
+                <a:spcPts val="5"/>
+              </a:spcBef>
+            </a:pPr>
+            <a:r>
+              <a:rPr sz="1265" dirty="0">
+                <a:solidFill>
+                  <a:srgbClr val="7F7F7F"/>
+                </a:solidFill>
+                <a:latin typeface="黑体-简" panose="02000000000000000000" charset="-122"/>
+                <a:ea typeface="黑体-简" panose="02000000000000000000" charset="-122"/>
+                <a:cs typeface="黑体-简" panose="02000000000000000000" charset="-122"/>
+              </a:rPr>
+              <a:t>汇集多种数据，提供</a:t>
+            </a:r>
+            <a:endParaRPr sz="1265">
+              <a:latin typeface="黑体-简" panose="02000000000000000000" charset="-122"/>
+              <a:ea typeface="黑体-简" panose="02000000000000000000" charset="-122"/>
+              <a:cs typeface="黑体-简" panose="02000000000000000000" charset="-122"/>
+            </a:endParaRPr>
+          </a:p>
+          <a:p>
+            <a:pPr marL="13335" marR="5080">
+              <a:lnSpc>
+                <a:spcPts val="1465"/>
+              </a:lnSpc>
+              <a:spcBef>
+                <a:spcPts val="165"/>
+              </a:spcBef>
+            </a:pPr>
+            <a:r>
+              <a:rPr sz="1265" dirty="0">
+                <a:solidFill>
+                  <a:srgbClr val="7F7F7F"/>
+                </a:solidFill>
+                <a:latin typeface="黑体-简" panose="02000000000000000000" charset="-122"/>
+                <a:ea typeface="黑体-简" panose="02000000000000000000" charset="-122"/>
+                <a:cs typeface="黑体-简" panose="02000000000000000000" charset="-122"/>
+              </a:rPr>
+              <a:t>数据平台化管理，有 一定实时自主化功能</a:t>
+            </a:r>
+            <a:endParaRPr sz="1265">
+              <a:latin typeface="黑体-简" panose="02000000000000000000" charset="-122"/>
+              <a:ea typeface="黑体-简" panose="02000000000000000000" charset="-122"/>
+              <a:cs typeface="黑体-简" panose="02000000000000000000" charset="-122"/>
+            </a:endParaRPr>
+          </a:p>
+        </p:txBody>
+      </p:sp>
+      <p:sp>
+        <p:nvSpPr>
+          <p:cNvPr id="25" name="object 19"/>
+          <p:cNvSpPr txBox="1"/>
+          <p:nvPr/>
+        </p:nvSpPr>
+        <p:spPr>
+          <a:xfrm>
+            <a:off x="4489979" y="2080046"/>
+            <a:ext cx="1473318" cy="833755"/>
+          </a:xfrm>
+          <a:prstGeom prst="rect">
+            <a:avLst/>
+          </a:prstGeom>
+        </p:spPr>
+        <p:txBody>
+          <a:bodyPr vert="horz" wrap="square" lIns="0" tIns="13394" rIns="0" bIns="0" rtlCol="0">
+            <a:spAutoFit/>
+          </a:bodyPr>
+          <a:lstStyle/>
+          <a:p>
+            <a:pPr marL="13335">
+              <a:spcBef>
+                <a:spcPts val="105"/>
+              </a:spcBef>
+            </a:pPr>
+            <a:r>
+              <a:rPr sz="1475" b="1" dirty="0">
+                <a:solidFill>
+                  <a:srgbClr val="0C86B6"/>
+                </a:solidFill>
+                <a:latin typeface="黑体-简" panose="02000000000000000000" charset="-122"/>
+                <a:ea typeface="黑体-简" panose="02000000000000000000" charset="-122"/>
+                <a:cs typeface="黑体-简" panose="02000000000000000000" charset="-122"/>
+              </a:rPr>
+              <a:t>易用</a:t>
+            </a:r>
+            <a:endParaRPr sz="1475">
+              <a:latin typeface="黑体-简" panose="02000000000000000000" charset="-122"/>
+              <a:ea typeface="黑体-简" panose="02000000000000000000" charset="-122"/>
+              <a:cs typeface="黑体-简" panose="02000000000000000000" charset="-122"/>
+            </a:endParaRPr>
+          </a:p>
+          <a:p>
+            <a:pPr marL="13335" marR="5080" algn="just">
+              <a:lnSpc>
+                <a:spcPct val="101000"/>
+              </a:lnSpc>
+              <a:spcBef>
+                <a:spcPts val="20"/>
+              </a:spcBef>
+            </a:pPr>
+            <a:r>
+              <a:rPr sz="1265" dirty="0">
+                <a:solidFill>
+                  <a:srgbClr val="7F7F7F"/>
+                </a:solidFill>
+                <a:latin typeface="黑体-简" panose="02000000000000000000" charset="-122"/>
+                <a:ea typeface="黑体-简" panose="02000000000000000000" charset="-122"/>
+                <a:cs typeface="黑体-简" panose="02000000000000000000" charset="-122"/>
+              </a:rPr>
+              <a:t>提供数据资产化、运 营化及融合能力，赋 能企业决策</a:t>
+            </a:r>
+            <a:endParaRPr sz="1265">
+              <a:latin typeface="黑体-简" panose="02000000000000000000" charset="-122"/>
+              <a:ea typeface="黑体-简" panose="02000000000000000000" charset="-122"/>
+              <a:cs typeface="黑体-简" panose="02000000000000000000" charset="-122"/>
+            </a:endParaRPr>
+          </a:p>
+        </p:txBody>
+      </p:sp>
+      <p:sp>
+        <p:nvSpPr>
+          <p:cNvPr id="26" name="object 20"/>
+          <p:cNvSpPr txBox="1"/>
+          <p:nvPr/>
+        </p:nvSpPr>
+        <p:spPr>
+          <a:xfrm>
+            <a:off x="6218450" y="1572155"/>
+            <a:ext cx="1473318" cy="1034415"/>
+          </a:xfrm>
+          <a:prstGeom prst="rect">
+            <a:avLst/>
+          </a:prstGeom>
+        </p:spPr>
+        <p:txBody>
+          <a:bodyPr vert="horz" wrap="square" lIns="0" tIns="13394" rIns="0" bIns="0" rtlCol="0">
+            <a:spAutoFit/>
+          </a:bodyPr>
+          <a:lstStyle/>
+          <a:p>
+            <a:pPr marL="13335">
+              <a:spcBef>
+                <a:spcPts val="105"/>
+              </a:spcBef>
+            </a:pPr>
+            <a:r>
+              <a:rPr sz="1475" b="1" dirty="0">
+                <a:solidFill>
+                  <a:srgbClr val="1EC8F3"/>
+                </a:solidFill>
+                <a:latin typeface="黑体-简" panose="02000000000000000000" charset="-122"/>
+                <a:ea typeface="黑体-简" panose="02000000000000000000" charset="-122"/>
+                <a:cs typeface="黑体-简" panose="02000000000000000000" charset="-122"/>
+              </a:rPr>
+              <a:t>好用</a:t>
+            </a:r>
+            <a:endParaRPr sz="1475">
+              <a:latin typeface="黑体-简" panose="02000000000000000000" charset="-122"/>
+              <a:ea typeface="黑体-简" panose="02000000000000000000" charset="-122"/>
+              <a:cs typeface="黑体-简" panose="02000000000000000000" charset="-122"/>
+            </a:endParaRPr>
+          </a:p>
+          <a:p>
+            <a:pPr marL="13335">
+              <a:spcBef>
+                <a:spcPts val="5"/>
+              </a:spcBef>
+            </a:pPr>
+            <a:r>
+              <a:rPr sz="1265" dirty="0">
+                <a:solidFill>
+                  <a:srgbClr val="7F7F7F"/>
+                </a:solidFill>
+                <a:latin typeface="黑体-简" panose="02000000000000000000" charset="-122"/>
+                <a:ea typeface="黑体-简" panose="02000000000000000000" charset="-122"/>
+                <a:cs typeface="黑体-简" panose="02000000000000000000" charset="-122"/>
+              </a:rPr>
+              <a:t>从数据洞察到学习预</a:t>
+            </a:r>
+            <a:endParaRPr sz="1265">
+              <a:latin typeface="黑体-简" panose="02000000000000000000" charset="-122"/>
+              <a:ea typeface="黑体-简" panose="02000000000000000000" charset="-122"/>
+              <a:cs typeface="黑体-简" panose="02000000000000000000" charset="-122"/>
+            </a:endParaRPr>
+          </a:p>
+          <a:p>
+            <a:pPr marL="13335" marR="5080" algn="just">
+              <a:lnSpc>
+                <a:spcPct val="101000"/>
+              </a:lnSpc>
+              <a:spcBef>
+                <a:spcPts val="60"/>
+              </a:spcBef>
+            </a:pPr>
+            <a:r>
+              <a:rPr sz="1265" dirty="0">
+                <a:solidFill>
+                  <a:srgbClr val="7F7F7F"/>
+                </a:solidFill>
+                <a:latin typeface="黑体-简" panose="02000000000000000000" charset="-122"/>
+                <a:ea typeface="黑体-简" panose="02000000000000000000" charset="-122"/>
+                <a:cs typeface="黑体-简" panose="02000000000000000000" charset="-122"/>
+              </a:rPr>
+              <a:t>测，能实时分析，自 动化运行，让数据驱 动业务创新</a:t>
+            </a:r>
+            <a:endParaRPr sz="1265">
+              <a:latin typeface="黑体-简" panose="02000000000000000000" charset="-122"/>
+              <a:ea typeface="黑体-简" panose="02000000000000000000" charset="-122"/>
+              <a:cs typeface="黑体-简" panose="02000000000000000000" charset="-122"/>
+            </a:endParaRPr>
+          </a:p>
+        </p:txBody>
+      </p:sp>
+    </p:spTree>
+    <p:extLst>
+      <p:ext uri="{BB962C8B-B14F-4D97-AF65-F5344CB8AC3E}">
+        <p14:creationId xmlns:p14="http://schemas.microsoft.com/office/powerpoint/2010/main" val="1781991559"/>
+      </p:ext>
+    </p:extLst>
+  </p:cSld>
+  <p:clrMapOvr>
+    <a:masterClrMapping/>
+  </p:clrMapOvr>
+  <p:timing>
+    <p:tnLst>
+      <p:par>
+        <p:cTn id="1" dur="indefinite" restart="never" nodeType="tmRoot"/>
+      </p:par>
+    </p:tnLst>
+  </p:timing>
+</p:sld>
+</file>
+
+<file path=ppt/slides/slide7.xml><?xml version="1.0" encoding="utf-8"?>
 <p:sld xmlns:a="http://schemas.openxmlformats.org/drawingml/2006/main" xmlns:r="http://schemas.openxmlformats.org/officeDocument/2006/relationships" xmlns:p="http://schemas.openxmlformats.org/presentationml/2006/main">
   <p:cSld>
     <p:spTree>
